--- a/resources/색인구조.pptx
+++ b/resources/색인구조.pptx
@@ -7,6 +7,7 @@
   <p:sldIdLst>
     <p:sldId id="256" r:id="rId2"/>
     <p:sldId id="257" r:id="rId3"/>
+    <p:sldId id="258" r:id="rId4"/>
   </p:sldIdLst>
   <p:sldSz cx="9144000" cy="6858000" type="screen4x3"/>
   <p:notesSz cx="6858000" cy="9144000"/>
@@ -305,7 +306,7 @@
           <a:p>
             <a:fld id="{A25BE025-EB2C-1B41-A22C-8FF603B156EC}" type="datetimeFigureOut">
               <a:rPr lang="en-US" smtClean="0"/>
-              <a:t>10/21/15</a:t>
+              <a:t>1/29/16</a:t>
             </a:fld>
             <a:endParaRPr lang="en-US"/>
           </a:p>
@@ -475,7 +476,7 @@
           <a:p>
             <a:fld id="{A25BE025-EB2C-1B41-A22C-8FF603B156EC}" type="datetimeFigureOut">
               <a:rPr lang="en-US" smtClean="0"/>
-              <a:t>10/21/15</a:t>
+              <a:t>1/29/16</a:t>
             </a:fld>
             <a:endParaRPr lang="en-US"/>
           </a:p>
@@ -655,7 +656,7 @@
           <a:p>
             <a:fld id="{A25BE025-EB2C-1B41-A22C-8FF603B156EC}" type="datetimeFigureOut">
               <a:rPr lang="en-US" smtClean="0"/>
-              <a:t>10/21/15</a:t>
+              <a:t>1/29/16</a:t>
             </a:fld>
             <a:endParaRPr lang="en-US"/>
           </a:p>
@@ -1040,7 +1041,7 @@
           <a:p>
             <a:fld id="{A25BE025-EB2C-1B41-A22C-8FF603B156EC}" type="datetimeFigureOut">
               <a:rPr lang="en-US" smtClean="0"/>
-              <a:t>10/21/15</a:t>
+              <a:t>1/29/16</a:t>
             </a:fld>
             <a:endParaRPr lang="en-US"/>
           </a:p>
@@ -1328,7 +1329,7 @@
           <a:p>
             <a:fld id="{A25BE025-EB2C-1B41-A22C-8FF603B156EC}" type="datetimeFigureOut">
               <a:rPr lang="en-US" smtClean="0"/>
-              <a:t>10/21/15</a:t>
+              <a:t>1/29/16</a:t>
             </a:fld>
             <a:endParaRPr lang="en-US"/>
           </a:p>
@@ -1750,7 +1751,7 @@
           <a:p>
             <a:fld id="{A25BE025-EB2C-1B41-A22C-8FF603B156EC}" type="datetimeFigureOut">
               <a:rPr lang="en-US" smtClean="0"/>
-              <a:t>10/21/15</a:t>
+              <a:t>1/29/16</a:t>
             </a:fld>
             <a:endParaRPr lang="en-US"/>
           </a:p>
@@ -1868,7 +1869,7 @@
           <a:p>
             <a:fld id="{A25BE025-EB2C-1B41-A22C-8FF603B156EC}" type="datetimeFigureOut">
               <a:rPr lang="en-US" smtClean="0"/>
-              <a:t>10/21/15</a:t>
+              <a:t>1/29/16</a:t>
             </a:fld>
             <a:endParaRPr lang="en-US"/>
           </a:p>
@@ -1963,7 +1964,7 @@
           <a:p>
             <a:fld id="{A25BE025-EB2C-1B41-A22C-8FF603B156EC}" type="datetimeFigureOut">
               <a:rPr lang="en-US" smtClean="0"/>
-              <a:t>10/21/15</a:t>
+              <a:t>1/29/16</a:t>
             </a:fld>
             <a:endParaRPr lang="en-US"/>
           </a:p>
@@ -2240,7 +2241,7 @@
           <a:p>
             <a:fld id="{A25BE025-EB2C-1B41-A22C-8FF603B156EC}" type="datetimeFigureOut">
               <a:rPr lang="en-US" smtClean="0"/>
-              <a:t>10/21/15</a:t>
+              <a:t>1/29/16</a:t>
             </a:fld>
             <a:endParaRPr lang="en-US"/>
           </a:p>
@@ -2493,7 +2494,7 @@
           <a:p>
             <a:fld id="{A25BE025-EB2C-1B41-A22C-8FF603B156EC}" type="datetimeFigureOut">
               <a:rPr lang="en-US" smtClean="0"/>
-              <a:t>10/21/15</a:t>
+              <a:t>1/29/16</a:t>
             </a:fld>
             <a:endParaRPr lang="en-US"/>
           </a:p>
@@ -2706,7 +2707,7 @@
           <a:p>
             <a:fld id="{A25BE025-EB2C-1B41-A22C-8FF603B156EC}" type="datetimeFigureOut">
               <a:rPr lang="en-US" smtClean="0"/>
-              <a:t>10/21/15</a:t>
+              <a:t>1/29/16</a:t>
             </a:fld>
             <a:endParaRPr lang="en-US"/>
           </a:p>
@@ -3318,11 +3319,7 @@
             </a:r>
             <a:r>
               <a:rPr lang="ko-KR" altLang="en-US" dirty="0" smtClean="0"/>
-              <a:t> </a:t>
-            </a:r>
-            <a:r>
-              <a:rPr lang="ko-KR" altLang="en-US" dirty="0" smtClean="0"/>
-              <a:t>고정</a:t>
+              <a:t> 고정</a:t>
             </a:r>
             <a:r>
               <a:rPr lang="ko-KR" altLang="en-US" dirty="0"/>
@@ -4485,15 +4482,7 @@
                   <a:schemeClr val="tx1"/>
                 </a:solidFill>
               </a:rPr>
-              <a:t>Value </a:t>
-            </a:r>
-            <a:r>
-              <a:rPr lang="en-US" sz="1000" smtClean="0">
-                <a:solidFill>
-                  <a:schemeClr val="tx1"/>
-                </a:solidFill>
-              </a:rPr>
-              <a:t>count</a:t>
+              <a:t>Value count</a:t>
             </a:r>
             <a:endParaRPr lang="en-US" sz="1000" dirty="0">
               <a:solidFill>
@@ -5829,15 +5818,7 @@
                   <a:schemeClr val="tx1"/>
                 </a:solidFill>
               </a:rPr>
-              <a:t>Value </a:t>
-            </a:r>
-            <a:r>
-              <a:rPr lang="en-US" sz="1000" smtClean="0">
-                <a:solidFill>
-                  <a:schemeClr val="tx1"/>
-                </a:solidFill>
-              </a:rPr>
-              <a:t>count</a:t>
+              <a:t>Value count</a:t>
             </a:r>
             <a:endParaRPr lang="en-US" sz="1000" dirty="0">
               <a:solidFill>
@@ -5926,15 +5907,452 @@
                   <a:schemeClr val="tx1"/>
                 </a:solidFill>
               </a:rPr>
-              <a:t>Value </a:t>
-            </a:r>
+              <a:t>Value count</a:t>
+            </a:r>
+            <a:endParaRPr lang="en-US" sz="1000" dirty="0">
+              <a:solidFill>
+                <a:schemeClr val="tx1"/>
+              </a:solidFill>
+            </a:endParaRPr>
+          </a:p>
+        </p:txBody>
+      </p:sp>
+      <p:sp>
+        <p:nvSpPr>
+          <p:cNvPr id="90" name="TextBox 89"/>
+          <p:cNvSpPr txBox="1"/>
+          <p:nvPr/>
+        </p:nvSpPr>
+        <p:spPr>
+          <a:xfrm>
+            <a:off x="6618557" y="4596348"/>
+            <a:ext cx="399468" cy="246221"/>
+          </a:xfrm>
+          <a:prstGeom prst="rect">
+            <a:avLst/>
+          </a:prstGeom>
+          <a:noFill/>
+        </p:spPr>
+        <p:txBody>
+          <a:bodyPr wrap="none" rtlCol="0">
+            <a:spAutoFit/>
+          </a:bodyPr>
+          <a:lstStyle/>
+          <a:p>
+            <a:r>
+              <a:rPr lang="en-US" sz="1000" dirty="0" err="1" smtClean="0"/>
+              <a:t>VInt</a:t>
+            </a:r>
+            <a:endParaRPr lang="en-US" sz="1000" dirty="0"/>
+          </a:p>
+        </p:txBody>
+      </p:sp>
+    </p:spTree>
+    <p:extLst>
+      <p:ext uri="{BB962C8B-B14F-4D97-AF65-F5344CB8AC3E}">
+        <p14:creationId xmlns:p14="http://schemas.microsoft.com/office/powerpoint/2010/main" val="2092546811"/>
+      </p:ext>
+    </p:extLst>
+  </p:cSld>
+  <p:clrMapOvr>
+    <a:masterClrMapping/>
+  </p:clrMapOvr>
+</p:sld>
+</file>
+
+<file path=ppt/slides/slide3.xml><?xml version="1.0" encoding="utf-8"?>
+<p:sld xmlns:a="http://schemas.openxmlformats.org/drawingml/2006/main" xmlns:r="http://schemas.openxmlformats.org/officeDocument/2006/relationships" xmlns:p="http://schemas.openxmlformats.org/presentationml/2006/main">
+  <p:cSld>
+    <p:spTree>
+      <p:nvGrpSpPr>
+        <p:cNvPr id="1" name=""/>
+        <p:cNvGrpSpPr/>
+        <p:nvPr/>
+      </p:nvGrpSpPr>
+      <p:grpSpPr>
+        <a:xfrm>
+          <a:off x="0" y="0"/>
+          <a:ext cx="0" cy="0"/>
+          <a:chOff x="0" y="0"/>
+          <a:chExt cx="0" cy="0"/>
+        </a:xfrm>
+      </p:grpSpPr>
+      <p:sp>
+        <p:nvSpPr>
+          <p:cNvPr id="2" name="Title 1"/>
+          <p:cNvSpPr>
+            <a:spLocks noGrp="1"/>
+          </p:cNvSpPr>
+          <p:nvPr>
+            <p:ph type="title"/>
+          </p:nvPr>
+        </p:nvSpPr>
+        <p:spPr/>
+        <p:txBody>
+          <a:bodyPr/>
+          <a:lstStyle/>
+          <a:p>
+            <a:r>
+              <a:rPr lang="ko-KR" altLang="en-US" dirty="0" smtClean="0"/>
+              <a:t>검색인덱스</a:t>
+            </a:r>
+            <a:r>
+              <a:rPr lang="ko-KR" altLang="en-US" dirty="0" smtClean="0"/>
+              <a:t>저장</a:t>
+            </a:r>
+            <a:endParaRPr lang="en-US" dirty="0"/>
+          </a:p>
+        </p:txBody>
+      </p:sp>
+      <p:sp>
+        <p:nvSpPr>
+          <p:cNvPr id="4" name="TextBox 3"/>
+          <p:cNvSpPr txBox="1"/>
+          <p:nvPr/>
+        </p:nvSpPr>
+        <p:spPr>
+          <a:xfrm>
+            <a:off x="457200" y="1016812"/>
+            <a:ext cx="6452279" cy="369332"/>
+          </a:xfrm>
+          <a:prstGeom prst="rect">
+            <a:avLst/>
+          </a:prstGeom>
+          <a:noFill/>
+        </p:spPr>
+        <p:txBody>
+          <a:bodyPr wrap="none" rtlCol="0">
+            <a:spAutoFit/>
+          </a:bodyPr>
+          <a:lstStyle/>
+          <a:p>
+            <a:pPr marL="285750" indent="-285750">
+              <a:buFont typeface="Arial" charset="0"/>
+              <a:buChar char="•"/>
+            </a:pPr>
+            <a:r>
+              <a:rPr lang="ko-KR" altLang="en-US" dirty="0" smtClean="0"/>
+              <a:t>각 필드별로 </a:t>
+            </a:r>
+            <a:r>
+              <a:rPr lang="en-US" altLang="ko-KR" dirty="0" smtClean="0"/>
+              <a:t>index, lexicon, posting</a:t>
+            </a:r>
+            <a:r>
+              <a:rPr lang="ko-KR" altLang="en-US" dirty="0" smtClean="0"/>
+              <a:t> 의 </a:t>
+            </a:r>
+            <a:r>
+              <a:rPr lang="en-US" altLang="ko-KR" dirty="0" smtClean="0"/>
+              <a:t>3</a:t>
+            </a:r>
+            <a:r>
+              <a:rPr lang="ko-KR" altLang="en-US" dirty="0" smtClean="0"/>
+              <a:t>개의 파일을 </a:t>
+            </a:r>
+            <a:r>
+              <a:rPr lang="ko-KR" altLang="en-US" dirty="0" smtClean="0"/>
+              <a:t>유지한다</a:t>
+            </a:r>
+            <a:r>
+              <a:rPr lang="en-US" altLang="ko-KR" dirty="0" smtClean="0"/>
+              <a:t>.</a:t>
+            </a:r>
+            <a:endParaRPr lang="ko-KR" altLang="en-US" dirty="0" smtClean="0"/>
+          </a:p>
+        </p:txBody>
+      </p:sp>
+      <p:sp>
+        <p:nvSpPr>
+          <p:cNvPr id="5" name="TextBox 4"/>
+          <p:cNvSpPr txBox="1"/>
+          <p:nvPr/>
+        </p:nvSpPr>
+        <p:spPr>
+          <a:xfrm>
+            <a:off x="519635" y="1456507"/>
+            <a:ext cx="1107996" cy="369332"/>
+          </a:xfrm>
+          <a:prstGeom prst="rect">
+            <a:avLst/>
+          </a:prstGeom>
+          <a:noFill/>
+        </p:spPr>
+        <p:txBody>
+          <a:bodyPr wrap="none" rtlCol="0">
+            <a:spAutoFit/>
+          </a:bodyPr>
+          <a:lstStyle/>
+          <a:p>
+            <a:r>
+              <a:rPr lang="ko-KR" altLang="en-US" dirty="0" smtClean="0"/>
+              <a:t>파일구조</a:t>
+            </a:r>
+            <a:endParaRPr lang="en-US" dirty="0"/>
+          </a:p>
+        </p:txBody>
+      </p:sp>
+      <p:sp>
+        <p:nvSpPr>
+          <p:cNvPr id="11" name="Rectangle 10"/>
+          <p:cNvSpPr/>
+          <p:nvPr/>
+        </p:nvSpPr>
+        <p:spPr>
+          <a:xfrm>
+            <a:off x="1620878" y="3999100"/>
+            <a:ext cx="760781" cy="402336"/>
+          </a:xfrm>
+          <a:prstGeom prst="rect">
+            <a:avLst/>
+          </a:prstGeom>
+          <a:solidFill>
+            <a:schemeClr val="bg1"/>
+          </a:solidFill>
+          <a:ln>
+            <a:solidFill>
+              <a:schemeClr val="bg1">
+                <a:lumMod val="50000"/>
+              </a:schemeClr>
+            </a:solidFill>
+          </a:ln>
+          <a:effectLst/>
+        </p:spPr>
+        <p:style>
+          <a:lnRef idx="1">
+            <a:schemeClr val="accent1"/>
+          </a:lnRef>
+          <a:fillRef idx="3">
+            <a:schemeClr val="accent1"/>
+          </a:fillRef>
+          <a:effectRef idx="2">
+            <a:schemeClr val="accent1"/>
+          </a:effectRef>
+          <a:fontRef idx="minor">
+            <a:schemeClr val="lt1"/>
+          </a:fontRef>
+        </p:style>
+        <p:txBody>
+          <a:bodyPr rtlCol="0" anchor="ctr"/>
+          <a:lstStyle/>
+          <a:p>
+            <a:pPr algn="ctr"/>
+            <a:r>
+              <a:rPr lang="en-US" sz="1000" dirty="0" smtClean="0">
+                <a:solidFill>
+                  <a:schemeClr val="tx1"/>
+                </a:solidFill>
+              </a:rPr>
+              <a:t>Field index option</a:t>
+            </a:r>
+            <a:endParaRPr lang="en-US" sz="1000" dirty="0">
+              <a:solidFill>
+                <a:schemeClr val="tx1"/>
+              </a:solidFill>
+            </a:endParaRPr>
+          </a:p>
+        </p:txBody>
+      </p:sp>
+      <p:sp>
+        <p:nvSpPr>
+          <p:cNvPr id="20" name="TextBox 19"/>
+          <p:cNvSpPr txBox="1"/>
+          <p:nvPr/>
+        </p:nvSpPr>
+        <p:spPr>
+          <a:xfrm>
+            <a:off x="790012" y="4077153"/>
+            <a:ext cx="569387" cy="246221"/>
+          </a:xfrm>
+          <a:prstGeom prst="rect">
+            <a:avLst/>
+          </a:prstGeom>
+          <a:noFill/>
+        </p:spPr>
+        <p:txBody>
+          <a:bodyPr wrap="none" rtlCol="0">
+            <a:spAutoFit/>
+          </a:bodyPr>
+          <a:lstStyle/>
+          <a:p>
+            <a:r>
+              <a:rPr lang="en-US" sz="1000" smtClean="0"/>
+              <a:t>posting</a:t>
+            </a:r>
+            <a:endParaRPr lang="en-US" sz="1000" dirty="0"/>
+          </a:p>
+        </p:txBody>
+      </p:sp>
+      <p:sp>
+        <p:nvSpPr>
+          <p:cNvPr id="42" name="Rectangle 41"/>
+          <p:cNvSpPr/>
+          <p:nvPr/>
+        </p:nvSpPr>
+        <p:spPr>
+          <a:xfrm>
+            <a:off x="2795902" y="3999099"/>
+            <a:ext cx="451827" cy="402336"/>
+          </a:xfrm>
+          <a:prstGeom prst="rect">
+            <a:avLst/>
+          </a:prstGeom>
+          <a:solidFill>
+            <a:schemeClr val="bg1"/>
+          </a:solidFill>
+          <a:ln>
+            <a:solidFill>
+              <a:schemeClr val="bg1">
+                <a:lumMod val="50000"/>
+              </a:schemeClr>
+            </a:solidFill>
+          </a:ln>
+          <a:effectLst/>
+        </p:spPr>
+        <p:style>
+          <a:lnRef idx="1">
+            <a:schemeClr val="accent1"/>
+          </a:lnRef>
+          <a:fillRef idx="3">
+            <a:schemeClr val="accent1"/>
+          </a:fillRef>
+          <a:effectRef idx="2">
+            <a:schemeClr val="accent1"/>
+          </a:effectRef>
+          <a:fontRef idx="minor">
+            <a:schemeClr val="lt1"/>
+          </a:fontRef>
+        </p:style>
+        <p:txBody>
+          <a:bodyPr rtlCol="0" anchor="ctr"/>
+          <a:lstStyle/>
+          <a:p>
+            <a:pPr algn="ctr"/>
+            <a:r>
+              <a:rPr lang="en-US" sz="1000" dirty="0" err="1" smtClean="0">
+                <a:solidFill>
+                  <a:schemeClr val="tx1"/>
+                </a:solidFill>
+              </a:rPr>
+              <a:t>len</a:t>
+            </a:r>
+            <a:endParaRPr lang="en-US" sz="1000" dirty="0">
+              <a:solidFill>
+                <a:schemeClr val="tx1"/>
+              </a:solidFill>
+            </a:endParaRPr>
+          </a:p>
+        </p:txBody>
+      </p:sp>
+      <p:sp>
+        <p:nvSpPr>
+          <p:cNvPr id="43" name="Rectangle 42"/>
+          <p:cNvSpPr/>
+          <p:nvPr/>
+        </p:nvSpPr>
+        <p:spPr>
+          <a:xfrm>
+            <a:off x="3251861" y="3999099"/>
+            <a:ext cx="519688" cy="402336"/>
+          </a:xfrm>
+          <a:prstGeom prst="rect">
+            <a:avLst/>
+          </a:prstGeom>
+          <a:noFill/>
+          <a:ln>
+            <a:solidFill>
+              <a:schemeClr val="bg1">
+                <a:lumMod val="50000"/>
+              </a:schemeClr>
+            </a:solidFill>
+          </a:ln>
+          <a:effectLst/>
+        </p:spPr>
+        <p:style>
+          <a:lnRef idx="1">
+            <a:schemeClr val="accent1"/>
+          </a:lnRef>
+          <a:fillRef idx="3">
+            <a:schemeClr val="accent1"/>
+          </a:fillRef>
+          <a:effectRef idx="2">
+            <a:schemeClr val="accent1"/>
+          </a:effectRef>
+          <a:fontRef idx="minor">
+            <a:schemeClr val="lt1"/>
+          </a:fontRef>
+        </p:style>
+        <p:txBody>
+          <a:bodyPr rtlCol="0" anchor="ctr"/>
+          <a:lstStyle/>
+          <a:p>
+            <a:pPr algn="ctr"/>
+            <a:r>
+              <a:rPr lang="en-US" sz="1000" dirty="0" smtClean="0">
+                <a:solidFill>
+                  <a:schemeClr val="tx1"/>
+                </a:solidFill>
+              </a:rPr>
+              <a:t>Count</a:t>
+            </a:r>
+            <a:endParaRPr lang="en-US" sz="1000" dirty="0">
+              <a:solidFill>
+                <a:schemeClr val="tx1"/>
+              </a:solidFill>
+            </a:endParaRPr>
+          </a:p>
+        </p:txBody>
+      </p:sp>
+      <p:sp>
+        <p:nvSpPr>
+          <p:cNvPr id="44" name="Rectangle 43"/>
+          <p:cNvSpPr/>
+          <p:nvPr/>
+        </p:nvSpPr>
+        <p:spPr>
+          <a:xfrm>
+            <a:off x="3771460" y="3999099"/>
+            <a:ext cx="760781" cy="402336"/>
+          </a:xfrm>
+          <a:prstGeom prst="rect">
+            <a:avLst/>
+          </a:prstGeom>
+          <a:noFill/>
+          <a:ln>
+            <a:solidFill>
+              <a:schemeClr val="bg1">
+                <a:lumMod val="50000"/>
+              </a:schemeClr>
+            </a:solidFill>
+          </a:ln>
+          <a:effectLst/>
+        </p:spPr>
+        <p:style>
+          <a:lnRef idx="1">
+            <a:schemeClr val="accent1"/>
+          </a:lnRef>
+          <a:fillRef idx="3">
+            <a:schemeClr val="accent1"/>
+          </a:fillRef>
+          <a:effectRef idx="2">
+            <a:schemeClr val="accent1"/>
+          </a:effectRef>
+          <a:fontRef idx="minor">
+            <a:schemeClr val="lt1"/>
+          </a:fontRef>
+        </p:style>
+        <p:txBody>
+          <a:bodyPr rtlCol="0" anchor="ctr"/>
+          <a:lstStyle/>
+          <a:p>
+            <a:pPr algn="ctr"/>
             <a:r>
               <a:rPr lang="en-US" sz="1000" smtClean="0">
                 <a:solidFill>
                   <a:schemeClr val="tx1"/>
                 </a:solidFill>
               </a:rPr>
-              <a:t>count</a:t>
+              <a:t>LastDocNo</a:t>
             </a:r>
             <a:endParaRPr lang="en-US" sz="1000" dirty="0">
               <a:solidFill>
@@ -5946,14 +6364,14 @@
       </p:sp>
       <p:sp>
         <p:nvSpPr>
-          <p:cNvPr id="90" name="TextBox 89"/>
+          <p:cNvPr id="65" name="TextBox 64"/>
           <p:cNvSpPr txBox="1"/>
           <p:nvPr/>
         </p:nvSpPr>
         <p:spPr>
           <a:xfrm>
-            <a:off x="6618557" y="4596348"/>
-            <a:ext cx="399468" cy="246221"/>
+            <a:off x="1783685" y="3752878"/>
+            <a:ext cx="470000" cy="246221"/>
           </a:xfrm>
           <a:prstGeom prst="rect">
             <a:avLst/>
@@ -5968,16 +6386,3497 @@
           <a:p>
             <a:r>
               <a:rPr lang="en-US" sz="1000" dirty="0" err="1" smtClean="0"/>
+              <a:t>Int</a:t>
+            </a:r>
+            <a:r>
+              <a:rPr lang="en-US" sz="1000" dirty="0" smtClean="0"/>
+              <a:t>(4)</a:t>
+            </a:r>
+            <a:endParaRPr lang="en-US" sz="1000" dirty="0"/>
+          </a:p>
+        </p:txBody>
+      </p:sp>
+      <p:sp>
+        <p:nvSpPr>
+          <p:cNvPr id="73" name="TextBox 72"/>
+          <p:cNvSpPr txBox="1"/>
+          <p:nvPr/>
+        </p:nvSpPr>
+        <p:spPr>
+          <a:xfrm>
+            <a:off x="2810235" y="3752875"/>
+            <a:ext cx="470000" cy="246221"/>
+          </a:xfrm>
+          <a:prstGeom prst="rect">
+            <a:avLst/>
+          </a:prstGeom>
+          <a:noFill/>
+        </p:spPr>
+        <p:txBody>
+          <a:bodyPr wrap="none" rtlCol="0">
+            <a:spAutoFit/>
+          </a:bodyPr>
+          <a:lstStyle/>
+          <a:p>
+            <a:r>
+              <a:rPr lang="en-US" sz="1000" dirty="0" err="1" smtClean="0"/>
+              <a:t>Int</a:t>
+            </a:r>
+            <a:r>
+              <a:rPr lang="en-US" sz="1000" dirty="0" smtClean="0"/>
+              <a:t>(4)</a:t>
+            </a:r>
+            <a:endParaRPr lang="en-US" sz="1000" dirty="0"/>
+          </a:p>
+        </p:txBody>
+      </p:sp>
+      <p:sp>
+        <p:nvSpPr>
+          <p:cNvPr id="74" name="TextBox 73"/>
+          <p:cNvSpPr txBox="1"/>
+          <p:nvPr/>
+        </p:nvSpPr>
+        <p:spPr>
+          <a:xfrm>
+            <a:off x="3297328" y="3752877"/>
+            <a:ext cx="470000" cy="246221"/>
+          </a:xfrm>
+          <a:prstGeom prst="rect">
+            <a:avLst/>
+          </a:prstGeom>
+          <a:noFill/>
+        </p:spPr>
+        <p:txBody>
+          <a:bodyPr wrap="none" rtlCol="0">
+            <a:spAutoFit/>
+          </a:bodyPr>
+          <a:lstStyle/>
+          <a:p>
+            <a:r>
+              <a:rPr lang="en-US" sz="1000" dirty="0" err="1" smtClean="0"/>
+              <a:t>Int</a:t>
+            </a:r>
+            <a:r>
+              <a:rPr lang="en-US" sz="1000" dirty="0" smtClean="0"/>
+              <a:t>(4)</a:t>
+            </a:r>
+            <a:endParaRPr lang="en-US" sz="1000" dirty="0"/>
+          </a:p>
+        </p:txBody>
+      </p:sp>
+      <p:sp>
+        <p:nvSpPr>
+          <p:cNvPr id="76" name="TextBox 75"/>
+          <p:cNvSpPr txBox="1"/>
+          <p:nvPr/>
+        </p:nvSpPr>
+        <p:spPr>
+          <a:xfrm>
+            <a:off x="3932531" y="3752877"/>
+            <a:ext cx="470000" cy="246221"/>
+          </a:xfrm>
+          <a:prstGeom prst="rect">
+            <a:avLst/>
+          </a:prstGeom>
+          <a:noFill/>
+        </p:spPr>
+        <p:txBody>
+          <a:bodyPr wrap="none" rtlCol="0">
+            <a:spAutoFit/>
+          </a:bodyPr>
+          <a:lstStyle/>
+          <a:p>
+            <a:r>
+              <a:rPr lang="en-US" sz="1000" dirty="0" err="1" smtClean="0"/>
+              <a:t>Int</a:t>
+            </a:r>
+            <a:r>
+              <a:rPr lang="en-US" sz="1000" dirty="0" smtClean="0"/>
+              <a:t>(4)</a:t>
+            </a:r>
+            <a:endParaRPr lang="en-US" sz="1000" dirty="0"/>
+          </a:p>
+        </p:txBody>
+      </p:sp>
+      <p:sp>
+        <p:nvSpPr>
+          <p:cNvPr id="79" name="Rectangle 43"/>
+          <p:cNvSpPr/>
+          <p:nvPr/>
+        </p:nvSpPr>
+        <p:spPr>
+          <a:xfrm>
+            <a:off x="4532241" y="3999098"/>
+            <a:ext cx="760781" cy="402336"/>
+          </a:xfrm>
+          <a:prstGeom prst="rect">
+            <a:avLst/>
+          </a:prstGeom>
+          <a:noFill/>
+          <a:ln>
+            <a:solidFill>
+              <a:schemeClr val="bg1">
+                <a:lumMod val="50000"/>
+              </a:schemeClr>
+            </a:solidFill>
+          </a:ln>
+          <a:effectLst/>
+        </p:spPr>
+        <p:style>
+          <a:lnRef idx="1">
+            <a:schemeClr val="accent1"/>
+          </a:lnRef>
+          <a:fillRef idx="3">
+            <a:schemeClr val="accent1"/>
+          </a:fillRef>
+          <a:effectRef idx="2">
+            <a:schemeClr val="accent1"/>
+          </a:effectRef>
+          <a:fontRef idx="minor">
+            <a:schemeClr val="lt1"/>
+          </a:fontRef>
+        </p:style>
+        <p:txBody>
+          <a:bodyPr rtlCol="0" anchor="ctr"/>
+          <a:lstStyle/>
+          <a:p>
+            <a:pPr algn="ctr"/>
+            <a:r>
+              <a:rPr lang="en-US" sz="1000" dirty="0" err="1" smtClean="0">
+                <a:solidFill>
+                  <a:schemeClr val="tx1"/>
+                </a:solidFill>
+              </a:rPr>
+              <a:t>FirstDocNo</a:t>
+            </a:r>
+            <a:endParaRPr lang="en-US" sz="1000" dirty="0">
+              <a:solidFill>
+                <a:schemeClr val="tx1"/>
+              </a:solidFill>
+            </a:endParaRPr>
+          </a:p>
+        </p:txBody>
+      </p:sp>
+      <p:sp>
+        <p:nvSpPr>
+          <p:cNvPr id="80" name="TextBox 79"/>
+          <p:cNvSpPr txBox="1"/>
+          <p:nvPr/>
+        </p:nvSpPr>
+        <p:spPr>
+          <a:xfrm>
+            <a:off x="4700719" y="3752876"/>
+            <a:ext cx="399468" cy="246221"/>
+          </a:xfrm>
+          <a:prstGeom prst="rect">
+            <a:avLst/>
+          </a:prstGeom>
+          <a:noFill/>
+        </p:spPr>
+        <p:txBody>
+          <a:bodyPr wrap="none" rtlCol="0">
+            <a:spAutoFit/>
+          </a:bodyPr>
+          <a:lstStyle/>
+          <a:p>
+            <a:r>
+              <a:rPr lang="en-US" sz="1000" smtClean="0"/>
               <a:t>VInt</a:t>
             </a:r>
             <a:endParaRPr lang="en-US" sz="1000" dirty="0"/>
+          </a:p>
+        </p:txBody>
+      </p:sp>
+      <p:sp>
+        <p:nvSpPr>
+          <p:cNvPr id="82" name="Rectangle 43"/>
+          <p:cNvSpPr/>
+          <p:nvPr/>
+        </p:nvSpPr>
+        <p:spPr>
+          <a:xfrm>
+            <a:off x="5292933" y="3999097"/>
+            <a:ext cx="564549" cy="402336"/>
+          </a:xfrm>
+          <a:prstGeom prst="rect">
+            <a:avLst/>
+          </a:prstGeom>
+          <a:noFill/>
+          <a:ln>
+            <a:solidFill>
+              <a:schemeClr val="bg1">
+                <a:lumMod val="50000"/>
+              </a:schemeClr>
+            </a:solidFill>
+          </a:ln>
+          <a:effectLst/>
+        </p:spPr>
+        <p:style>
+          <a:lnRef idx="1">
+            <a:schemeClr val="accent1"/>
+          </a:lnRef>
+          <a:fillRef idx="3">
+            <a:schemeClr val="accent1"/>
+          </a:fillRef>
+          <a:effectRef idx="2">
+            <a:schemeClr val="accent1"/>
+          </a:effectRef>
+          <a:fontRef idx="minor">
+            <a:schemeClr val="lt1"/>
+          </a:fontRef>
+        </p:style>
+        <p:txBody>
+          <a:bodyPr rtlCol="0" anchor="ctr"/>
+          <a:lstStyle/>
+          <a:p>
+            <a:pPr algn="ctr"/>
+            <a:r>
+              <a:rPr lang="en-US" sz="1000" dirty="0" err="1" smtClean="0">
+                <a:solidFill>
+                  <a:schemeClr val="tx1"/>
+                </a:solidFill>
+              </a:rPr>
+              <a:t>DocNo</a:t>
+            </a:r>
+            <a:endParaRPr lang="en-US" sz="1000" dirty="0" smtClean="0">
+              <a:solidFill>
+                <a:schemeClr val="tx1"/>
+              </a:solidFill>
+            </a:endParaRPr>
+          </a:p>
+          <a:p>
+            <a:pPr algn="ctr"/>
+            <a:r>
+              <a:rPr lang="en-US" sz="1000" dirty="0" smtClean="0">
+                <a:solidFill>
+                  <a:schemeClr val="tx1"/>
+                </a:solidFill>
+              </a:rPr>
+              <a:t>Delta</a:t>
+            </a:r>
+            <a:endParaRPr lang="en-US" sz="1000" dirty="0">
+              <a:solidFill>
+                <a:schemeClr val="tx1"/>
+              </a:solidFill>
+            </a:endParaRPr>
+          </a:p>
+        </p:txBody>
+      </p:sp>
+      <p:sp>
+        <p:nvSpPr>
+          <p:cNvPr id="83" name="TextBox 82"/>
+          <p:cNvSpPr txBox="1"/>
+          <p:nvPr/>
+        </p:nvSpPr>
+        <p:spPr>
+          <a:xfrm>
+            <a:off x="5358033" y="3752875"/>
+            <a:ext cx="399468" cy="246221"/>
+          </a:xfrm>
+          <a:prstGeom prst="rect">
+            <a:avLst/>
+          </a:prstGeom>
+          <a:noFill/>
+        </p:spPr>
+        <p:txBody>
+          <a:bodyPr wrap="none" rtlCol="0">
+            <a:spAutoFit/>
+          </a:bodyPr>
+          <a:lstStyle/>
+          <a:p>
+            <a:r>
+              <a:rPr lang="en-US" sz="1000" dirty="0" err="1" smtClean="0"/>
+              <a:t>VInt</a:t>
+            </a:r>
+            <a:endParaRPr lang="en-US" sz="1000" dirty="0"/>
+          </a:p>
+        </p:txBody>
+      </p:sp>
+      <p:sp>
+        <p:nvSpPr>
+          <p:cNvPr id="6" name="TextBox 5"/>
+          <p:cNvSpPr txBox="1"/>
+          <p:nvPr/>
+        </p:nvSpPr>
+        <p:spPr>
+          <a:xfrm>
+            <a:off x="5815891" y="3960111"/>
+            <a:ext cx="343364" cy="369332"/>
+          </a:xfrm>
+          <a:prstGeom prst="rect">
+            <a:avLst/>
+          </a:prstGeom>
+          <a:noFill/>
+        </p:spPr>
+        <p:txBody>
+          <a:bodyPr wrap="none" rtlCol="0">
+            <a:spAutoFit/>
+          </a:bodyPr>
+          <a:lstStyle/>
+          <a:p>
+            <a:r>
+              <a:rPr kumimoji="1" lang="is-IS" altLang="ko-KR" dirty="0" smtClean="0"/>
+              <a:t>…</a:t>
+            </a:r>
+            <a:endParaRPr kumimoji="1" lang="ko-KR" altLang="en-US" dirty="0"/>
+          </a:p>
+        </p:txBody>
+      </p:sp>
+      <p:sp>
+        <p:nvSpPr>
+          <p:cNvPr id="85" name="Rectangle 43"/>
+          <p:cNvSpPr/>
+          <p:nvPr/>
+        </p:nvSpPr>
+        <p:spPr>
+          <a:xfrm>
+            <a:off x="6117575" y="3999096"/>
+            <a:ext cx="564549" cy="402336"/>
+          </a:xfrm>
+          <a:prstGeom prst="rect">
+            <a:avLst/>
+          </a:prstGeom>
+          <a:noFill/>
+          <a:ln>
+            <a:solidFill>
+              <a:schemeClr val="bg1">
+                <a:lumMod val="50000"/>
+              </a:schemeClr>
+            </a:solidFill>
+          </a:ln>
+          <a:effectLst/>
+        </p:spPr>
+        <p:style>
+          <a:lnRef idx="1">
+            <a:schemeClr val="accent1"/>
+          </a:lnRef>
+          <a:fillRef idx="3">
+            <a:schemeClr val="accent1"/>
+          </a:fillRef>
+          <a:effectRef idx="2">
+            <a:schemeClr val="accent1"/>
+          </a:effectRef>
+          <a:fontRef idx="minor">
+            <a:schemeClr val="lt1"/>
+          </a:fontRef>
+        </p:style>
+        <p:txBody>
+          <a:bodyPr rtlCol="0" anchor="ctr"/>
+          <a:lstStyle/>
+          <a:p>
+            <a:pPr algn="ctr"/>
+            <a:r>
+              <a:rPr lang="en-US" sz="1000" dirty="0" err="1" smtClean="0">
+                <a:solidFill>
+                  <a:schemeClr val="tx1"/>
+                </a:solidFill>
+              </a:rPr>
+              <a:t>DocNo</a:t>
+            </a:r>
+            <a:endParaRPr lang="en-US" sz="1000" dirty="0" smtClean="0">
+              <a:solidFill>
+                <a:schemeClr val="tx1"/>
+              </a:solidFill>
+            </a:endParaRPr>
+          </a:p>
+          <a:p>
+            <a:pPr algn="ctr"/>
+            <a:r>
+              <a:rPr lang="en-US" sz="1000" dirty="0" smtClean="0">
+                <a:solidFill>
+                  <a:schemeClr val="tx1"/>
+                </a:solidFill>
+              </a:rPr>
+              <a:t>Delta</a:t>
+            </a:r>
+            <a:endParaRPr lang="en-US" sz="1000" dirty="0">
+              <a:solidFill>
+                <a:schemeClr val="tx1"/>
+              </a:solidFill>
+            </a:endParaRPr>
+          </a:p>
+        </p:txBody>
+      </p:sp>
+      <p:sp>
+        <p:nvSpPr>
+          <p:cNvPr id="86" name="TextBox 85"/>
+          <p:cNvSpPr txBox="1"/>
+          <p:nvPr/>
+        </p:nvSpPr>
+        <p:spPr>
+          <a:xfrm>
+            <a:off x="6183424" y="3752875"/>
+            <a:ext cx="399468" cy="246221"/>
+          </a:xfrm>
+          <a:prstGeom prst="rect">
+            <a:avLst/>
+          </a:prstGeom>
+          <a:noFill/>
+        </p:spPr>
+        <p:txBody>
+          <a:bodyPr wrap="none" rtlCol="0">
+            <a:spAutoFit/>
+          </a:bodyPr>
+          <a:lstStyle/>
+          <a:p>
+            <a:r>
+              <a:rPr lang="en-US" sz="1000" dirty="0" err="1" smtClean="0"/>
+              <a:t>VInt</a:t>
+            </a:r>
+            <a:endParaRPr lang="en-US" sz="1000" dirty="0"/>
+          </a:p>
+        </p:txBody>
+      </p:sp>
+      <p:sp>
+        <p:nvSpPr>
+          <p:cNvPr id="91" name="TextBox 90"/>
+          <p:cNvSpPr txBox="1"/>
+          <p:nvPr/>
+        </p:nvSpPr>
+        <p:spPr>
+          <a:xfrm>
+            <a:off x="793856" y="3105478"/>
+            <a:ext cx="551754" cy="246221"/>
+          </a:xfrm>
+          <a:prstGeom prst="rect">
+            <a:avLst/>
+          </a:prstGeom>
+          <a:noFill/>
+        </p:spPr>
+        <p:txBody>
+          <a:bodyPr wrap="none" rtlCol="0">
+            <a:spAutoFit/>
+          </a:bodyPr>
+          <a:lstStyle/>
+          <a:p>
+            <a:r>
+              <a:rPr lang="en-US" sz="1000" dirty="0" smtClean="0"/>
+              <a:t>lexicon</a:t>
+            </a:r>
+            <a:endParaRPr lang="en-US" sz="1000" dirty="0"/>
+          </a:p>
+        </p:txBody>
+      </p:sp>
+      <p:sp>
+        <p:nvSpPr>
+          <p:cNvPr id="94" name="Rectangle 42"/>
+          <p:cNvSpPr/>
+          <p:nvPr/>
+        </p:nvSpPr>
+        <p:spPr>
+          <a:xfrm>
+            <a:off x="1620227" y="3150537"/>
+            <a:ext cx="519688" cy="402336"/>
+          </a:xfrm>
+          <a:prstGeom prst="rect">
+            <a:avLst/>
+          </a:prstGeom>
+          <a:noFill/>
+          <a:ln>
+            <a:solidFill>
+              <a:schemeClr val="bg1">
+                <a:lumMod val="50000"/>
+              </a:schemeClr>
+            </a:solidFill>
+          </a:ln>
+          <a:effectLst/>
+        </p:spPr>
+        <p:style>
+          <a:lnRef idx="1">
+            <a:schemeClr val="accent1"/>
+          </a:lnRef>
+          <a:fillRef idx="3">
+            <a:schemeClr val="accent1"/>
+          </a:fillRef>
+          <a:effectRef idx="2">
+            <a:schemeClr val="accent1"/>
+          </a:effectRef>
+          <a:fontRef idx="minor">
+            <a:schemeClr val="lt1"/>
+          </a:fontRef>
+        </p:style>
+        <p:txBody>
+          <a:bodyPr rtlCol="0" anchor="ctr"/>
+          <a:lstStyle/>
+          <a:p>
+            <a:pPr algn="ctr"/>
+            <a:r>
+              <a:rPr lang="en-US" sz="1000" dirty="0" err="1" smtClean="0">
+                <a:solidFill>
+                  <a:schemeClr val="tx1"/>
+                </a:solidFill>
+              </a:rPr>
+              <a:t>TermCount</a:t>
+            </a:r>
+            <a:endParaRPr lang="en-US" sz="1000" dirty="0">
+              <a:solidFill>
+                <a:schemeClr val="tx1"/>
+              </a:solidFill>
+            </a:endParaRPr>
+          </a:p>
+        </p:txBody>
+      </p:sp>
+      <p:sp>
+        <p:nvSpPr>
+          <p:cNvPr id="95" name="TextBox 94"/>
+          <p:cNvSpPr txBox="1"/>
+          <p:nvPr/>
+        </p:nvSpPr>
+        <p:spPr>
+          <a:xfrm>
+            <a:off x="1665694" y="2904315"/>
+            <a:ext cx="470000" cy="246221"/>
+          </a:xfrm>
+          <a:prstGeom prst="rect">
+            <a:avLst/>
+          </a:prstGeom>
+          <a:noFill/>
+        </p:spPr>
+        <p:txBody>
+          <a:bodyPr wrap="none" rtlCol="0">
+            <a:spAutoFit/>
+          </a:bodyPr>
+          <a:lstStyle/>
+          <a:p>
+            <a:r>
+              <a:rPr lang="en-US" sz="1000" dirty="0" err="1" smtClean="0"/>
+              <a:t>Int</a:t>
+            </a:r>
+            <a:r>
+              <a:rPr lang="en-US" sz="1000" dirty="0" smtClean="0"/>
+              <a:t>(4)</a:t>
+            </a:r>
+            <a:endParaRPr lang="en-US" sz="1000" dirty="0"/>
+          </a:p>
+        </p:txBody>
+      </p:sp>
+      <p:sp>
+        <p:nvSpPr>
+          <p:cNvPr id="96" name="Rectangle 43"/>
+          <p:cNvSpPr/>
+          <p:nvPr/>
+        </p:nvSpPr>
+        <p:spPr>
+          <a:xfrm>
+            <a:off x="2369605" y="3149370"/>
+            <a:ext cx="549803" cy="402336"/>
+          </a:xfrm>
+          <a:prstGeom prst="rect">
+            <a:avLst/>
+          </a:prstGeom>
+          <a:noFill/>
+          <a:ln>
+            <a:solidFill>
+              <a:schemeClr val="bg1">
+                <a:lumMod val="50000"/>
+              </a:schemeClr>
+            </a:solidFill>
+          </a:ln>
+          <a:effectLst/>
+        </p:spPr>
+        <p:style>
+          <a:lnRef idx="1">
+            <a:schemeClr val="accent1"/>
+          </a:lnRef>
+          <a:fillRef idx="3">
+            <a:schemeClr val="accent1"/>
+          </a:fillRef>
+          <a:effectRef idx="2">
+            <a:schemeClr val="accent1"/>
+          </a:effectRef>
+          <a:fontRef idx="minor">
+            <a:schemeClr val="lt1"/>
+          </a:fontRef>
+        </p:style>
+        <p:txBody>
+          <a:bodyPr rtlCol="0" anchor="ctr"/>
+          <a:lstStyle/>
+          <a:p>
+            <a:pPr algn="ctr"/>
+            <a:r>
+              <a:rPr lang="en-US" sz="1000" dirty="0" smtClean="0">
+                <a:solidFill>
+                  <a:schemeClr val="tx1"/>
+                </a:solidFill>
+              </a:rPr>
+              <a:t>Term1</a:t>
+            </a:r>
+            <a:endParaRPr lang="en-US" sz="1000" dirty="0">
+              <a:solidFill>
+                <a:schemeClr val="tx1"/>
+              </a:solidFill>
+            </a:endParaRPr>
+          </a:p>
+        </p:txBody>
+      </p:sp>
+      <p:sp>
+        <p:nvSpPr>
+          <p:cNvPr id="97" name="TextBox 96"/>
+          <p:cNvSpPr txBox="1"/>
+          <p:nvPr/>
+        </p:nvSpPr>
+        <p:spPr>
+          <a:xfrm>
+            <a:off x="2339835" y="2903146"/>
+            <a:ext cx="570990" cy="246221"/>
+          </a:xfrm>
+          <a:prstGeom prst="rect">
+            <a:avLst/>
+          </a:prstGeom>
+          <a:noFill/>
+        </p:spPr>
+        <p:txBody>
+          <a:bodyPr wrap="none" rtlCol="0">
+            <a:spAutoFit/>
+          </a:bodyPr>
+          <a:lstStyle/>
+          <a:p>
+            <a:r>
+              <a:rPr lang="en-US" sz="1000" dirty="0" err="1" smtClean="0"/>
+              <a:t>UString</a:t>
+            </a:r>
+            <a:endParaRPr lang="en-US" sz="1000" dirty="0"/>
+          </a:p>
+        </p:txBody>
+      </p:sp>
+      <p:sp>
+        <p:nvSpPr>
+          <p:cNvPr id="98" name="Rectangle 43"/>
+          <p:cNvSpPr/>
+          <p:nvPr/>
+        </p:nvSpPr>
+        <p:spPr>
+          <a:xfrm>
+            <a:off x="2917410" y="3149206"/>
+            <a:ext cx="511448" cy="402336"/>
+          </a:xfrm>
+          <a:prstGeom prst="rect">
+            <a:avLst/>
+          </a:prstGeom>
+          <a:noFill/>
+          <a:ln>
+            <a:solidFill>
+              <a:schemeClr val="bg1">
+                <a:lumMod val="50000"/>
+              </a:schemeClr>
+            </a:solidFill>
+          </a:ln>
+          <a:effectLst/>
+        </p:spPr>
+        <p:style>
+          <a:lnRef idx="1">
+            <a:schemeClr val="accent1"/>
+          </a:lnRef>
+          <a:fillRef idx="3">
+            <a:schemeClr val="accent1"/>
+          </a:fillRef>
+          <a:effectRef idx="2">
+            <a:schemeClr val="accent1"/>
+          </a:effectRef>
+          <a:fontRef idx="minor">
+            <a:schemeClr val="lt1"/>
+          </a:fontRef>
+        </p:style>
+        <p:txBody>
+          <a:bodyPr rtlCol="0" anchor="ctr"/>
+          <a:lstStyle/>
+          <a:p>
+            <a:pPr algn="ctr"/>
+            <a:r>
+              <a:rPr lang="en-US" sz="1000" dirty="0" err="1" smtClean="0">
+                <a:solidFill>
+                  <a:schemeClr val="tx1"/>
+                </a:solidFill>
+              </a:rPr>
+              <a:t>Pos</a:t>
+            </a:r>
+            <a:endParaRPr lang="en-US" sz="1000" dirty="0">
+              <a:solidFill>
+                <a:schemeClr val="tx1"/>
+              </a:solidFill>
+            </a:endParaRPr>
+          </a:p>
+        </p:txBody>
+      </p:sp>
+      <p:sp>
+        <p:nvSpPr>
+          <p:cNvPr id="99" name="TextBox 98"/>
+          <p:cNvSpPr txBox="1"/>
+          <p:nvPr/>
+        </p:nvSpPr>
+        <p:spPr>
+          <a:xfrm>
+            <a:off x="2955765" y="2903066"/>
+            <a:ext cx="434734" cy="246221"/>
+          </a:xfrm>
+          <a:prstGeom prst="rect">
+            <a:avLst/>
+          </a:prstGeom>
+          <a:noFill/>
+        </p:spPr>
+        <p:txBody>
+          <a:bodyPr wrap="none" rtlCol="0">
+            <a:spAutoFit/>
+          </a:bodyPr>
+          <a:lstStyle/>
+          <a:p>
+            <a:r>
+              <a:rPr lang="en-US" sz="1000" smtClean="0"/>
+              <a:t>Long</a:t>
+            </a:r>
+            <a:endParaRPr lang="en-US" sz="1000" dirty="0"/>
+          </a:p>
+        </p:txBody>
+      </p:sp>
+      <p:cxnSp>
+        <p:nvCxnSpPr>
+          <p:cNvPr id="100" name="Straight Arrow Connector 76"/>
+          <p:cNvCxnSpPr/>
+          <p:nvPr/>
+        </p:nvCxnSpPr>
+        <p:spPr>
+          <a:xfrm flipH="1">
+            <a:off x="2806014" y="3551542"/>
+            <a:ext cx="321087" cy="447393"/>
+          </a:xfrm>
+          <a:prstGeom prst="straightConnector1">
+            <a:avLst/>
+          </a:prstGeom>
+          <a:ln w="6350">
+            <a:solidFill>
+              <a:schemeClr val="bg1">
+                <a:lumMod val="50000"/>
+              </a:schemeClr>
+            </a:solidFill>
+            <a:tailEnd type="triangle"/>
+          </a:ln>
+          <a:effectLst/>
+        </p:spPr>
+        <p:style>
+          <a:lnRef idx="2">
+            <a:schemeClr val="accent1"/>
+          </a:lnRef>
+          <a:fillRef idx="0">
+            <a:schemeClr val="accent1"/>
+          </a:fillRef>
+          <a:effectRef idx="1">
+            <a:schemeClr val="accent1"/>
+          </a:effectRef>
+          <a:fontRef idx="minor">
+            <a:schemeClr val="tx1"/>
+          </a:fontRef>
+        </p:style>
+      </p:cxnSp>
+      <p:sp>
+        <p:nvSpPr>
+          <p:cNvPr id="101" name="Rectangle 43"/>
+          <p:cNvSpPr/>
+          <p:nvPr/>
+        </p:nvSpPr>
+        <p:spPr>
+          <a:xfrm>
+            <a:off x="3584056" y="3143222"/>
+            <a:ext cx="588162" cy="402336"/>
+          </a:xfrm>
+          <a:prstGeom prst="rect">
+            <a:avLst/>
+          </a:prstGeom>
+          <a:noFill/>
+          <a:ln>
+            <a:solidFill>
+              <a:schemeClr val="bg1">
+                <a:lumMod val="50000"/>
+              </a:schemeClr>
+            </a:solidFill>
+          </a:ln>
+          <a:effectLst/>
+        </p:spPr>
+        <p:style>
+          <a:lnRef idx="1">
+            <a:schemeClr val="accent1"/>
+          </a:lnRef>
+          <a:fillRef idx="3">
+            <a:schemeClr val="accent1"/>
+          </a:fillRef>
+          <a:effectRef idx="2">
+            <a:schemeClr val="accent1"/>
+          </a:effectRef>
+          <a:fontRef idx="minor">
+            <a:schemeClr val="lt1"/>
+          </a:fontRef>
+        </p:style>
+        <p:txBody>
+          <a:bodyPr rtlCol="0" anchor="ctr"/>
+          <a:lstStyle/>
+          <a:p>
+            <a:pPr algn="ctr"/>
+            <a:r>
+              <a:rPr lang="en-US" sz="1000" dirty="0" smtClean="0">
+                <a:solidFill>
+                  <a:schemeClr val="tx1"/>
+                </a:solidFill>
+              </a:rPr>
+              <a:t>Term2</a:t>
+            </a:r>
+            <a:endParaRPr lang="en-US" sz="1000" dirty="0">
+              <a:solidFill>
+                <a:schemeClr val="tx1"/>
+              </a:solidFill>
+            </a:endParaRPr>
+          </a:p>
+        </p:txBody>
+      </p:sp>
+      <p:sp>
+        <p:nvSpPr>
+          <p:cNvPr id="102" name="TextBox 101"/>
+          <p:cNvSpPr txBox="1"/>
+          <p:nvPr/>
+        </p:nvSpPr>
+        <p:spPr>
+          <a:xfrm>
+            <a:off x="3554285" y="2896998"/>
+            <a:ext cx="570990" cy="246221"/>
+          </a:xfrm>
+          <a:prstGeom prst="rect">
+            <a:avLst/>
+          </a:prstGeom>
+          <a:noFill/>
+        </p:spPr>
+        <p:txBody>
+          <a:bodyPr wrap="none" rtlCol="0">
+            <a:spAutoFit/>
+          </a:bodyPr>
+          <a:lstStyle/>
+          <a:p>
+            <a:r>
+              <a:rPr lang="en-US" sz="1000" dirty="0" err="1" smtClean="0"/>
+              <a:t>UString</a:t>
+            </a:r>
+            <a:endParaRPr lang="en-US" sz="1000" dirty="0"/>
+          </a:p>
+        </p:txBody>
+      </p:sp>
+      <p:sp>
+        <p:nvSpPr>
+          <p:cNvPr id="103" name="Rectangle 43"/>
+          <p:cNvSpPr/>
+          <p:nvPr/>
+        </p:nvSpPr>
+        <p:spPr>
+          <a:xfrm>
+            <a:off x="4172218" y="3143138"/>
+            <a:ext cx="511448" cy="402336"/>
+          </a:xfrm>
+          <a:prstGeom prst="rect">
+            <a:avLst/>
+          </a:prstGeom>
+          <a:noFill/>
+          <a:ln>
+            <a:solidFill>
+              <a:schemeClr val="bg1">
+                <a:lumMod val="50000"/>
+              </a:schemeClr>
+            </a:solidFill>
+          </a:ln>
+          <a:effectLst/>
+        </p:spPr>
+        <p:style>
+          <a:lnRef idx="1">
+            <a:schemeClr val="accent1"/>
+          </a:lnRef>
+          <a:fillRef idx="3">
+            <a:schemeClr val="accent1"/>
+          </a:fillRef>
+          <a:effectRef idx="2">
+            <a:schemeClr val="accent1"/>
+          </a:effectRef>
+          <a:fontRef idx="minor">
+            <a:schemeClr val="lt1"/>
+          </a:fontRef>
+        </p:style>
+        <p:txBody>
+          <a:bodyPr rtlCol="0" anchor="ctr"/>
+          <a:lstStyle/>
+          <a:p>
+            <a:pPr algn="ctr"/>
+            <a:r>
+              <a:rPr lang="en-US" sz="1000" dirty="0" err="1" smtClean="0">
+                <a:solidFill>
+                  <a:schemeClr val="tx1"/>
+                </a:solidFill>
+              </a:rPr>
+              <a:t>Pos</a:t>
+            </a:r>
+            <a:endParaRPr lang="en-US" sz="1000" dirty="0">
+              <a:solidFill>
+                <a:schemeClr val="tx1"/>
+              </a:solidFill>
+            </a:endParaRPr>
+          </a:p>
+        </p:txBody>
+      </p:sp>
+      <p:sp>
+        <p:nvSpPr>
+          <p:cNvPr id="104" name="TextBox 103"/>
+          <p:cNvSpPr txBox="1"/>
+          <p:nvPr/>
+        </p:nvSpPr>
+        <p:spPr>
+          <a:xfrm>
+            <a:off x="4210573" y="2896998"/>
+            <a:ext cx="434734" cy="246221"/>
+          </a:xfrm>
+          <a:prstGeom prst="rect">
+            <a:avLst/>
+          </a:prstGeom>
+          <a:noFill/>
+        </p:spPr>
+        <p:txBody>
+          <a:bodyPr wrap="none" rtlCol="0">
+            <a:spAutoFit/>
+          </a:bodyPr>
+          <a:lstStyle/>
+          <a:p>
+            <a:r>
+              <a:rPr lang="en-US" sz="1000" smtClean="0"/>
+              <a:t>Long</a:t>
+            </a:r>
+            <a:endParaRPr lang="en-US" sz="1000" dirty="0"/>
+          </a:p>
+        </p:txBody>
+      </p:sp>
+      <p:sp>
+        <p:nvSpPr>
+          <p:cNvPr id="105" name="Rectangle 41"/>
+          <p:cNvSpPr/>
+          <p:nvPr/>
+        </p:nvSpPr>
+        <p:spPr>
+          <a:xfrm>
+            <a:off x="2791770" y="4785487"/>
+            <a:ext cx="451827" cy="402336"/>
+          </a:xfrm>
+          <a:prstGeom prst="rect">
+            <a:avLst/>
+          </a:prstGeom>
+          <a:solidFill>
+            <a:schemeClr val="bg1"/>
+          </a:solidFill>
+          <a:ln>
+            <a:solidFill>
+              <a:schemeClr val="bg1">
+                <a:lumMod val="50000"/>
+              </a:schemeClr>
+            </a:solidFill>
+          </a:ln>
+          <a:effectLst/>
+        </p:spPr>
+        <p:style>
+          <a:lnRef idx="1">
+            <a:schemeClr val="accent1"/>
+          </a:lnRef>
+          <a:fillRef idx="3">
+            <a:schemeClr val="accent1"/>
+          </a:fillRef>
+          <a:effectRef idx="2">
+            <a:schemeClr val="accent1"/>
+          </a:effectRef>
+          <a:fontRef idx="minor">
+            <a:schemeClr val="lt1"/>
+          </a:fontRef>
+        </p:style>
+        <p:txBody>
+          <a:bodyPr rtlCol="0" anchor="ctr"/>
+          <a:lstStyle/>
+          <a:p>
+            <a:pPr algn="ctr"/>
+            <a:r>
+              <a:rPr lang="en-US" sz="1000" dirty="0" err="1" smtClean="0">
+                <a:solidFill>
+                  <a:schemeClr val="tx1"/>
+                </a:solidFill>
+              </a:rPr>
+              <a:t>len</a:t>
+            </a:r>
+            <a:endParaRPr lang="en-US" sz="1000" dirty="0">
+              <a:solidFill>
+                <a:schemeClr val="tx1"/>
+              </a:solidFill>
+            </a:endParaRPr>
+          </a:p>
+        </p:txBody>
+      </p:sp>
+      <p:sp>
+        <p:nvSpPr>
+          <p:cNvPr id="106" name="Rectangle 42"/>
+          <p:cNvSpPr/>
+          <p:nvPr/>
+        </p:nvSpPr>
+        <p:spPr>
+          <a:xfrm>
+            <a:off x="3247729" y="4785487"/>
+            <a:ext cx="519688" cy="402336"/>
+          </a:xfrm>
+          <a:prstGeom prst="rect">
+            <a:avLst/>
+          </a:prstGeom>
+          <a:noFill/>
+          <a:ln>
+            <a:solidFill>
+              <a:schemeClr val="bg1">
+                <a:lumMod val="50000"/>
+              </a:schemeClr>
+            </a:solidFill>
+          </a:ln>
+          <a:effectLst/>
+        </p:spPr>
+        <p:style>
+          <a:lnRef idx="1">
+            <a:schemeClr val="accent1"/>
+          </a:lnRef>
+          <a:fillRef idx="3">
+            <a:schemeClr val="accent1"/>
+          </a:fillRef>
+          <a:effectRef idx="2">
+            <a:schemeClr val="accent1"/>
+          </a:effectRef>
+          <a:fontRef idx="minor">
+            <a:schemeClr val="lt1"/>
+          </a:fontRef>
+        </p:style>
+        <p:txBody>
+          <a:bodyPr rtlCol="0" anchor="ctr"/>
+          <a:lstStyle/>
+          <a:p>
+            <a:pPr algn="ctr"/>
+            <a:r>
+              <a:rPr lang="en-US" sz="1000" dirty="0" smtClean="0">
+                <a:solidFill>
+                  <a:schemeClr val="tx1"/>
+                </a:solidFill>
+              </a:rPr>
+              <a:t>Count</a:t>
+            </a:r>
+            <a:endParaRPr lang="en-US" sz="1000" dirty="0">
+              <a:solidFill>
+                <a:schemeClr val="tx1"/>
+              </a:solidFill>
+            </a:endParaRPr>
+          </a:p>
+        </p:txBody>
+      </p:sp>
+      <p:sp>
+        <p:nvSpPr>
+          <p:cNvPr id="107" name="Rectangle 43"/>
+          <p:cNvSpPr/>
+          <p:nvPr/>
+        </p:nvSpPr>
+        <p:spPr>
+          <a:xfrm>
+            <a:off x="3767328" y="4785487"/>
+            <a:ext cx="760781" cy="402336"/>
+          </a:xfrm>
+          <a:prstGeom prst="rect">
+            <a:avLst/>
+          </a:prstGeom>
+          <a:noFill/>
+          <a:ln>
+            <a:solidFill>
+              <a:schemeClr val="bg1">
+                <a:lumMod val="50000"/>
+              </a:schemeClr>
+            </a:solidFill>
+          </a:ln>
+          <a:effectLst/>
+        </p:spPr>
+        <p:style>
+          <a:lnRef idx="1">
+            <a:schemeClr val="accent1"/>
+          </a:lnRef>
+          <a:fillRef idx="3">
+            <a:schemeClr val="accent1"/>
+          </a:fillRef>
+          <a:effectRef idx="2">
+            <a:schemeClr val="accent1"/>
+          </a:effectRef>
+          <a:fontRef idx="minor">
+            <a:schemeClr val="lt1"/>
+          </a:fontRef>
+        </p:style>
+        <p:txBody>
+          <a:bodyPr rtlCol="0" anchor="ctr"/>
+          <a:lstStyle/>
+          <a:p>
+            <a:pPr algn="ctr"/>
+            <a:r>
+              <a:rPr lang="en-US" sz="1000" smtClean="0">
+                <a:solidFill>
+                  <a:schemeClr val="tx1"/>
+                </a:solidFill>
+              </a:rPr>
+              <a:t>LastDocNo</a:t>
+            </a:r>
+            <a:endParaRPr lang="en-US" sz="1000" dirty="0">
+              <a:solidFill>
+                <a:schemeClr val="tx1"/>
+              </a:solidFill>
+            </a:endParaRPr>
+          </a:p>
+        </p:txBody>
+      </p:sp>
+      <p:sp>
+        <p:nvSpPr>
+          <p:cNvPr id="108" name="TextBox 107"/>
+          <p:cNvSpPr txBox="1"/>
+          <p:nvPr/>
+        </p:nvSpPr>
+        <p:spPr>
+          <a:xfrm>
+            <a:off x="2806103" y="4539263"/>
+            <a:ext cx="470000" cy="246221"/>
+          </a:xfrm>
+          <a:prstGeom prst="rect">
+            <a:avLst/>
+          </a:prstGeom>
+          <a:noFill/>
+        </p:spPr>
+        <p:txBody>
+          <a:bodyPr wrap="none" rtlCol="0">
+            <a:spAutoFit/>
+          </a:bodyPr>
+          <a:lstStyle/>
+          <a:p>
+            <a:r>
+              <a:rPr lang="en-US" sz="1000" dirty="0" err="1" smtClean="0"/>
+              <a:t>Int</a:t>
+            </a:r>
+            <a:r>
+              <a:rPr lang="en-US" sz="1000" dirty="0" smtClean="0"/>
+              <a:t>(4)</a:t>
+            </a:r>
+            <a:endParaRPr lang="en-US" sz="1000" dirty="0"/>
+          </a:p>
+        </p:txBody>
+      </p:sp>
+      <p:sp>
+        <p:nvSpPr>
+          <p:cNvPr id="109" name="TextBox 108"/>
+          <p:cNvSpPr txBox="1"/>
+          <p:nvPr/>
+        </p:nvSpPr>
+        <p:spPr>
+          <a:xfrm>
+            <a:off x="3293196" y="4539265"/>
+            <a:ext cx="470000" cy="246221"/>
+          </a:xfrm>
+          <a:prstGeom prst="rect">
+            <a:avLst/>
+          </a:prstGeom>
+          <a:noFill/>
+        </p:spPr>
+        <p:txBody>
+          <a:bodyPr wrap="none" rtlCol="0">
+            <a:spAutoFit/>
+          </a:bodyPr>
+          <a:lstStyle/>
+          <a:p>
+            <a:r>
+              <a:rPr lang="en-US" sz="1000" dirty="0" err="1" smtClean="0"/>
+              <a:t>Int</a:t>
+            </a:r>
+            <a:r>
+              <a:rPr lang="en-US" sz="1000" dirty="0" smtClean="0"/>
+              <a:t>(4)</a:t>
+            </a:r>
+            <a:endParaRPr lang="en-US" sz="1000" dirty="0"/>
+          </a:p>
+        </p:txBody>
+      </p:sp>
+      <p:sp>
+        <p:nvSpPr>
+          <p:cNvPr id="110" name="TextBox 109"/>
+          <p:cNvSpPr txBox="1"/>
+          <p:nvPr/>
+        </p:nvSpPr>
+        <p:spPr>
+          <a:xfrm>
+            <a:off x="3928399" y="4539265"/>
+            <a:ext cx="470000" cy="246221"/>
+          </a:xfrm>
+          <a:prstGeom prst="rect">
+            <a:avLst/>
+          </a:prstGeom>
+          <a:noFill/>
+        </p:spPr>
+        <p:txBody>
+          <a:bodyPr wrap="none" rtlCol="0">
+            <a:spAutoFit/>
+          </a:bodyPr>
+          <a:lstStyle/>
+          <a:p>
+            <a:r>
+              <a:rPr lang="en-US" sz="1000" dirty="0" err="1" smtClean="0"/>
+              <a:t>Int</a:t>
+            </a:r>
+            <a:r>
+              <a:rPr lang="en-US" sz="1000" dirty="0" smtClean="0"/>
+              <a:t>(4)</a:t>
+            </a:r>
+            <a:endParaRPr lang="en-US" sz="1000" dirty="0"/>
+          </a:p>
+        </p:txBody>
+      </p:sp>
+      <p:sp>
+        <p:nvSpPr>
+          <p:cNvPr id="111" name="Rectangle 43"/>
+          <p:cNvSpPr/>
+          <p:nvPr/>
+        </p:nvSpPr>
+        <p:spPr>
+          <a:xfrm>
+            <a:off x="4528109" y="4785486"/>
+            <a:ext cx="760781" cy="402336"/>
+          </a:xfrm>
+          <a:prstGeom prst="rect">
+            <a:avLst/>
+          </a:prstGeom>
+          <a:noFill/>
+          <a:ln>
+            <a:solidFill>
+              <a:schemeClr val="bg1">
+                <a:lumMod val="50000"/>
+              </a:schemeClr>
+            </a:solidFill>
+          </a:ln>
+          <a:effectLst/>
+        </p:spPr>
+        <p:style>
+          <a:lnRef idx="1">
+            <a:schemeClr val="accent1"/>
+          </a:lnRef>
+          <a:fillRef idx="3">
+            <a:schemeClr val="accent1"/>
+          </a:fillRef>
+          <a:effectRef idx="2">
+            <a:schemeClr val="accent1"/>
+          </a:effectRef>
+          <a:fontRef idx="minor">
+            <a:schemeClr val="lt1"/>
+          </a:fontRef>
+        </p:style>
+        <p:txBody>
+          <a:bodyPr rtlCol="0" anchor="ctr"/>
+          <a:lstStyle/>
+          <a:p>
+            <a:pPr algn="ctr"/>
+            <a:r>
+              <a:rPr lang="en-US" sz="1000" dirty="0" err="1" smtClean="0">
+                <a:solidFill>
+                  <a:schemeClr val="tx1"/>
+                </a:solidFill>
+              </a:rPr>
+              <a:t>FirstDocNo</a:t>
+            </a:r>
+            <a:endParaRPr lang="en-US" sz="1000" dirty="0">
+              <a:solidFill>
+                <a:schemeClr val="tx1"/>
+              </a:solidFill>
+            </a:endParaRPr>
+          </a:p>
+        </p:txBody>
+      </p:sp>
+      <p:sp>
+        <p:nvSpPr>
+          <p:cNvPr id="112" name="TextBox 111"/>
+          <p:cNvSpPr txBox="1"/>
+          <p:nvPr/>
+        </p:nvSpPr>
+        <p:spPr>
+          <a:xfrm>
+            <a:off x="4696587" y="4539264"/>
+            <a:ext cx="399468" cy="246221"/>
+          </a:xfrm>
+          <a:prstGeom prst="rect">
+            <a:avLst/>
+          </a:prstGeom>
+          <a:noFill/>
+        </p:spPr>
+        <p:txBody>
+          <a:bodyPr wrap="none" rtlCol="0">
+            <a:spAutoFit/>
+          </a:bodyPr>
+          <a:lstStyle/>
+          <a:p>
+            <a:r>
+              <a:rPr lang="en-US" sz="1000" smtClean="0"/>
+              <a:t>VInt</a:t>
+            </a:r>
+            <a:endParaRPr lang="en-US" sz="1000" dirty="0"/>
+          </a:p>
+        </p:txBody>
+      </p:sp>
+      <p:sp>
+        <p:nvSpPr>
+          <p:cNvPr id="113" name="Rectangle 43"/>
+          <p:cNvSpPr/>
+          <p:nvPr/>
+        </p:nvSpPr>
+        <p:spPr>
+          <a:xfrm>
+            <a:off x="5288801" y="4785485"/>
+            <a:ext cx="564549" cy="402336"/>
+          </a:xfrm>
+          <a:prstGeom prst="rect">
+            <a:avLst/>
+          </a:prstGeom>
+          <a:noFill/>
+          <a:ln>
+            <a:solidFill>
+              <a:schemeClr val="bg1">
+                <a:lumMod val="50000"/>
+              </a:schemeClr>
+            </a:solidFill>
+          </a:ln>
+          <a:effectLst/>
+        </p:spPr>
+        <p:style>
+          <a:lnRef idx="1">
+            <a:schemeClr val="accent1"/>
+          </a:lnRef>
+          <a:fillRef idx="3">
+            <a:schemeClr val="accent1"/>
+          </a:fillRef>
+          <a:effectRef idx="2">
+            <a:schemeClr val="accent1"/>
+          </a:effectRef>
+          <a:fontRef idx="minor">
+            <a:schemeClr val="lt1"/>
+          </a:fontRef>
+        </p:style>
+        <p:txBody>
+          <a:bodyPr rtlCol="0" anchor="ctr"/>
+          <a:lstStyle/>
+          <a:p>
+            <a:pPr algn="ctr"/>
+            <a:r>
+              <a:rPr lang="en-US" sz="1000" dirty="0" err="1" smtClean="0">
+                <a:solidFill>
+                  <a:schemeClr val="tx1"/>
+                </a:solidFill>
+              </a:rPr>
+              <a:t>DocNo</a:t>
+            </a:r>
+            <a:endParaRPr lang="en-US" sz="1000" dirty="0" smtClean="0">
+              <a:solidFill>
+                <a:schemeClr val="tx1"/>
+              </a:solidFill>
+            </a:endParaRPr>
+          </a:p>
+          <a:p>
+            <a:pPr algn="ctr"/>
+            <a:r>
+              <a:rPr lang="en-US" sz="1000" dirty="0" smtClean="0">
+                <a:solidFill>
+                  <a:schemeClr val="tx1"/>
+                </a:solidFill>
+              </a:rPr>
+              <a:t>Delta</a:t>
+            </a:r>
+            <a:endParaRPr lang="en-US" sz="1000" dirty="0">
+              <a:solidFill>
+                <a:schemeClr val="tx1"/>
+              </a:solidFill>
+            </a:endParaRPr>
+          </a:p>
+        </p:txBody>
+      </p:sp>
+      <p:sp>
+        <p:nvSpPr>
+          <p:cNvPr id="114" name="TextBox 113"/>
+          <p:cNvSpPr txBox="1"/>
+          <p:nvPr/>
+        </p:nvSpPr>
+        <p:spPr>
+          <a:xfrm>
+            <a:off x="5353901" y="4539263"/>
+            <a:ext cx="399468" cy="246221"/>
+          </a:xfrm>
+          <a:prstGeom prst="rect">
+            <a:avLst/>
+          </a:prstGeom>
+          <a:noFill/>
+        </p:spPr>
+        <p:txBody>
+          <a:bodyPr wrap="none" rtlCol="0">
+            <a:spAutoFit/>
+          </a:bodyPr>
+          <a:lstStyle/>
+          <a:p>
+            <a:r>
+              <a:rPr lang="en-US" sz="1000" dirty="0" err="1" smtClean="0"/>
+              <a:t>VInt</a:t>
+            </a:r>
+            <a:endParaRPr lang="en-US" sz="1000" dirty="0"/>
+          </a:p>
+        </p:txBody>
+      </p:sp>
+      <p:sp>
+        <p:nvSpPr>
+          <p:cNvPr id="115" name="TextBox 114"/>
+          <p:cNvSpPr txBox="1"/>
+          <p:nvPr/>
+        </p:nvSpPr>
+        <p:spPr>
+          <a:xfrm>
+            <a:off x="5811759" y="4746499"/>
+            <a:ext cx="343364" cy="369332"/>
+          </a:xfrm>
+          <a:prstGeom prst="rect">
+            <a:avLst/>
+          </a:prstGeom>
+          <a:noFill/>
+        </p:spPr>
+        <p:txBody>
+          <a:bodyPr wrap="none" rtlCol="0">
+            <a:spAutoFit/>
+          </a:bodyPr>
+          <a:lstStyle/>
+          <a:p>
+            <a:r>
+              <a:rPr kumimoji="1" lang="is-IS" altLang="ko-KR" dirty="0" smtClean="0"/>
+              <a:t>…</a:t>
+            </a:r>
+            <a:endParaRPr kumimoji="1" lang="ko-KR" altLang="en-US" dirty="0"/>
+          </a:p>
+        </p:txBody>
+      </p:sp>
+      <p:sp>
+        <p:nvSpPr>
+          <p:cNvPr id="116" name="Rectangle 43"/>
+          <p:cNvSpPr/>
+          <p:nvPr/>
+        </p:nvSpPr>
+        <p:spPr>
+          <a:xfrm>
+            <a:off x="6113443" y="4785484"/>
+            <a:ext cx="564549" cy="402336"/>
+          </a:xfrm>
+          <a:prstGeom prst="rect">
+            <a:avLst/>
+          </a:prstGeom>
+          <a:noFill/>
+          <a:ln>
+            <a:solidFill>
+              <a:schemeClr val="bg1">
+                <a:lumMod val="50000"/>
+              </a:schemeClr>
+            </a:solidFill>
+          </a:ln>
+          <a:effectLst/>
+        </p:spPr>
+        <p:style>
+          <a:lnRef idx="1">
+            <a:schemeClr val="accent1"/>
+          </a:lnRef>
+          <a:fillRef idx="3">
+            <a:schemeClr val="accent1"/>
+          </a:fillRef>
+          <a:effectRef idx="2">
+            <a:schemeClr val="accent1"/>
+          </a:effectRef>
+          <a:fontRef idx="minor">
+            <a:schemeClr val="lt1"/>
+          </a:fontRef>
+        </p:style>
+        <p:txBody>
+          <a:bodyPr rtlCol="0" anchor="ctr"/>
+          <a:lstStyle/>
+          <a:p>
+            <a:pPr algn="ctr"/>
+            <a:r>
+              <a:rPr lang="en-US" sz="1000" dirty="0" err="1" smtClean="0">
+                <a:solidFill>
+                  <a:schemeClr val="tx1"/>
+                </a:solidFill>
+              </a:rPr>
+              <a:t>DocNo</a:t>
+            </a:r>
+            <a:endParaRPr lang="en-US" sz="1000" dirty="0" smtClean="0">
+              <a:solidFill>
+                <a:schemeClr val="tx1"/>
+              </a:solidFill>
+            </a:endParaRPr>
+          </a:p>
+          <a:p>
+            <a:pPr algn="ctr"/>
+            <a:r>
+              <a:rPr lang="en-US" sz="1000" dirty="0" smtClean="0">
+                <a:solidFill>
+                  <a:schemeClr val="tx1"/>
+                </a:solidFill>
+              </a:rPr>
+              <a:t>Delta</a:t>
+            </a:r>
+            <a:endParaRPr lang="en-US" sz="1000" dirty="0">
+              <a:solidFill>
+                <a:schemeClr val="tx1"/>
+              </a:solidFill>
+            </a:endParaRPr>
+          </a:p>
+        </p:txBody>
+      </p:sp>
+      <p:sp>
+        <p:nvSpPr>
+          <p:cNvPr id="117" name="TextBox 116"/>
+          <p:cNvSpPr txBox="1"/>
+          <p:nvPr/>
+        </p:nvSpPr>
+        <p:spPr>
+          <a:xfrm>
+            <a:off x="6179292" y="4539263"/>
+            <a:ext cx="399468" cy="246221"/>
+          </a:xfrm>
+          <a:prstGeom prst="rect">
+            <a:avLst/>
+          </a:prstGeom>
+          <a:noFill/>
+        </p:spPr>
+        <p:txBody>
+          <a:bodyPr wrap="none" rtlCol="0">
+            <a:spAutoFit/>
+          </a:bodyPr>
+          <a:lstStyle/>
+          <a:p>
+            <a:r>
+              <a:rPr lang="en-US" sz="1000" dirty="0" err="1" smtClean="0"/>
+              <a:t>VInt</a:t>
+            </a:r>
+            <a:endParaRPr lang="en-US" sz="1000" dirty="0"/>
+          </a:p>
+        </p:txBody>
+      </p:sp>
+      <p:cxnSp>
+        <p:nvCxnSpPr>
+          <p:cNvPr id="118" name="Straight Arrow Connector 76"/>
+          <p:cNvCxnSpPr>
+            <a:stCxn id="103" idx="2"/>
+          </p:cNvCxnSpPr>
+          <p:nvPr/>
+        </p:nvCxnSpPr>
+        <p:spPr>
+          <a:xfrm flipH="1">
+            <a:off x="2810235" y="3545474"/>
+            <a:ext cx="1617707" cy="1233781"/>
+          </a:xfrm>
+          <a:prstGeom prst="straightConnector1">
+            <a:avLst/>
+          </a:prstGeom>
+          <a:ln w="6350">
+            <a:solidFill>
+              <a:schemeClr val="bg1">
+                <a:lumMod val="50000"/>
+              </a:schemeClr>
+            </a:solidFill>
+            <a:tailEnd type="triangle"/>
+          </a:ln>
+          <a:effectLst/>
+        </p:spPr>
+        <p:style>
+          <a:lnRef idx="2">
+            <a:schemeClr val="accent1"/>
+          </a:lnRef>
+          <a:fillRef idx="0">
+            <a:schemeClr val="accent1"/>
+          </a:fillRef>
+          <a:effectRef idx="1">
+            <a:schemeClr val="accent1"/>
+          </a:effectRef>
+          <a:fontRef idx="minor">
+            <a:schemeClr val="tx1"/>
+          </a:fontRef>
+        </p:style>
+      </p:cxnSp>
+      <p:sp>
+        <p:nvSpPr>
+          <p:cNvPr id="119" name="TextBox 118"/>
+          <p:cNvSpPr txBox="1"/>
+          <p:nvPr/>
+        </p:nvSpPr>
+        <p:spPr>
+          <a:xfrm>
+            <a:off x="5114704" y="3100409"/>
+            <a:ext cx="343364" cy="369332"/>
+          </a:xfrm>
+          <a:prstGeom prst="rect">
+            <a:avLst/>
+          </a:prstGeom>
+          <a:noFill/>
+        </p:spPr>
+        <p:txBody>
+          <a:bodyPr wrap="none" rtlCol="0">
+            <a:spAutoFit/>
+          </a:bodyPr>
+          <a:lstStyle/>
+          <a:p>
+            <a:r>
+              <a:rPr kumimoji="1" lang="is-IS" altLang="ko-KR" dirty="0" smtClean="0"/>
+              <a:t>…</a:t>
+            </a:r>
+            <a:endParaRPr kumimoji="1" lang="ko-KR" altLang="en-US" dirty="0"/>
+          </a:p>
+        </p:txBody>
+      </p:sp>
+      <p:sp>
+        <p:nvSpPr>
+          <p:cNvPr id="120" name="TextBox 119"/>
+          <p:cNvSpPr txBox="1"/>
+          <p:nvPr/>
+        </p:nvSpPr>
+        <p:spPr>
+          <a:xfrm>
+            <a:off x="790012" y="2189654"/>
+            <a:ext cx="468398" cy="246221"/>
+          </a:xfrm>
+          <a:prstGeom prst="rect">
+            <a:avLst/>
+          </a:prstGeom>
+          <a:noFill/>
+        </p:spPr>
+        <p:txBody>
+          <a:bodyPr wrap="none" rtlCol="0">
+            <a:spAutoFit/>
+          </a:bodyPr>
+          <a:lstStyle/>
+          <a:p>
+            <a:r>
+              <a:rPr lang="en-US" sz="1000" dirty="0" smtClean="0"/>
+              <a:t>index</a:t>
+            </a:r>
+            <a:endParaRPr lang="en-US" sz="1000" dirty="0"/>
+          </a:p>
+        </p:txBody>
+      </p:sp>
+      <p:sp>
+        <p:nvSpPr>
+          <p:cNvPr id="121" name="Rectangle 42"/>
+          <p:cNvSpPr/>
+          <p:nvPr/>
+        </p:nvSpPr>
+        <p:spPr>
+          <a:xfrm>
+            <a:off x="1616383" y="2234713"/>
+            <a:ext cx="765276" cy="402336"/>
+          </a:xfrm>
+          <a:prstGeom prst="rect">
+            <a:avLst/>
+          </a:prstGeom>
+          <a:noFill/>
+          <a:ln>
+            <a:solidFill>
+              <a:schemeClr val="bg1">
+                <a:lumMod val="50000"/>
+              </a:schemeClr>
+            </a:solidFill>
+          </a:ln>
+          <a:effectLst/>
+        </p:spPr>
+        <p:style>
+          <a:lnRef idx="1">
+            <a:schemeClr val="accent1"/>
+          </a:lnRef>
+          <a:fillRef idx="3">
+            <a:schemeClr val="accent1"/>
+          </a:fillRef>
+          <a:effectRef idx="2">
+            <a:schemeClr val="accent1"/>
+          </a:effectRef>
+          <a:fontRef idx="minor">
+            <a:schemeClr val="lt1"/>
+          </a:fontRef>
+        </p:style>
+        <p:txBody>
+          <a:bodyPr rtlCol="0" anchor="ctr"/>
+          <a:lstStyle/>
+          <a:p>
+            <a:pPr algn="ctr"/>
+            <a:r>
+              <a:rPr lang="en-US" sz="1000" smtClean="0">
+                <a:solidFill>
+                  <a:schemeClr val="tx1"/>
+                </a:solidFill>
+              </a:rPr>
+              <a:t>IndexTermCount</a:t>
+            </a:r>
+            <a:endParaRPr lang="en-US" sz="1000" dirty="0">
+              <a:solidFill>
+                <a:schemeClr val="tx1"/>
+              </a:solidFill>
+            </a:endParaRPr>
+          </a:p>
+        </p:txBody>
+      </p:sp>
+      <p:sp>
+        <p:nvSpPr>
+          <p:cNvPr id="122" name="TextBox 121"/>
+          <p:cNvSpPr txBox="1"/>
+          <p:nvPr/>
+        </p:nvSpPr>
+        <p:spPr>
+          <a:xfrm>
+            <a:off x="1661850" y="1988491"/>
+            <a:ext cx="470000" cy="246221"/>
+          </a:xfrm>
+          <a:prstGeom prst="rect">
+            <a:avLst/>
+          </a:prstGeom>
+          <a:noFill/>
+        </p:spPr>
+        <p:txBody>
+          <a:bodyPr wrap="none" rtlCol="0">
+            <a:spAutoFit/>
+          </a:bodyPr>
+          <a:lstStyle/>
+          <a:p>
+            <a:r>
+              <a:rPr lang="en-US" sz="1000" dirty="0" err="1" smtClean="0"/>
+              <a:t>Int</a:t>
+            </a:r>
+            <a:r>
+              <a:rPr lang="en-US" sz="1000" dirty="0" smtClean="0"/>
+              <a:t>(4)</a:t>
+            </a:r>
+            <a:endParaRPr lang="en-US" sz="1000" dirty="0"/>
+          </a:p>
+        </p:txBody>
+      </p:sp>
+      <p:sp>
+        <p:nvSpPr>
+          <p:cNvPr id="123" name="Rectangle 43"/>
+          <p:cNvSpPr/>
+          <p:nvPr/>
+        </p:nvSpPr>
+        <p:spPr>
+          <a:xfrm>
+            <a:off x="2559969" y="2232635"/>
+            <a:ext cx="549803" cy="402336"/>
+          </a:xfrm>
+          <a:prstGeom prst="rect">
+            <a:avLst/>
+          </a:prstGeom>
+          <a:noFill/>
+          <a:ln>
+            <a:solidFill>
+              <a:schemeClr val="bg1">
+                <a:lumMod val="50000"/>
+              </a:schemeClr>
+            </a:solidFill>
+          </a:ln>
+          <a:effectLst/>
+        </p:spPr>
+        <p:style>
+          <a:lnRef idx="1">
+            <a:schemeClr val="accent1"/>
+          </a:lnRef>
+          <a:fillRef idx="3">
+            <a:schemeClr val="accent1"/>
+          </a:fillRef>
+          <a:effectRef idx="2">
+            <a:schemeClr val="accent1"/>
+          </a:effectRef>
+          <a:fontRef idx="minor">
+            <a:schemeClr val="lt1"/>
+          </a:fontRef>
+        </p:style>
+        <p:txBody>
+          <a:bodyPr rtlCol="0" anchor="ctr"/>
+          <a:lstStyle/>
+          <a:p>
+            <a:pPr algn="ctr"/>
+            <a:r>
+              <a:rPr lang="en-US" sz="1000" dirty="0" smtClean="0">
+                <a:solidFill>
+                  <a:schemeClr val="tx1"/>
+                </a:solidFill>
+              </a:rPr>
+              <a:t>Term1</a:t>
+            </a:r>
+            <a:endParaRPr lang="en-US" sz="1000" dirty="0">
+              <a:solidFill>
+                <a:schemeClr val="tx1"/>
+              </a:solidFill>
+            </a:endParaRPr>
+          </a:p>
+        </p:txBody>
+      </p:sp>
+      <p:sp>
+        <p:nvSpPr>
+          <p:cNvPr id="124" name="TextBox 123"/>
+          <p:cNvSpPr txBox="1"/>
+          <p:nvPr/>
+        </p:nvSpPr>
+        <p:spPr>
+          <a:xfrm>
+            <a:off x="2530199" y="1986411"/>
+            <a:ext cx="570990" cy="246221"/>
+          </a:xfrm>
+          <a:prstGeom prst="rect">
+            <a:avLst/>
+          </a:prstGeom>
+          <a:noFill/>
+        </p:spPr>
+        <p:txBody>
+          <a:bodyPr wrap="none" rtlCol="0">
+            <a:spAutoFit/>
+          </a:bodyPr>
+          <a:lstStyle/>
+          <a:p>
+            <a:r>
+              <a:rPr lang="en-US" sz="1000" dirty="0" err="1" smtClean="0"/>
+              <a:t>UString</a:t>
+            </a:r>
+            <a:endParaRPr lang="en-US" sz="1000" dirty="0"/>
+          </a:p>
+        </p:txBody>
+      </p:sp>
+      <p:sp>
+        <p:nvSpPr>
+          <p:cNvPr id="125" name="Rectangle 43"/>
+          <p:cNvSpPr/>
+          <p:nvPr/>
+        </p:nvSpPr>
+        <p:spPr>
+          <a:xfrm>
+            <a:off x="3107774" y="2232471"/>
+            <a:ext cx="590160" cy="402336"/>
+          </a:xfrm>
+          <a:prstGeom prst="rect">
+            <a:avLst/>
+          </a:prstGeom>
+          <a:noFill/>
+          <a:ln>
+            <a:solidFill>
+              <a:schemeClr val="bg1">
+                <a:lumMod val="50000"/>
+              </a:schemeClr>
+            </a:solidFill>
+          </a:ln>
+          <a:effectLst/>
+        </p:spPr>
+        <p:style>
+          <a:lnRef idx="1">
+            <a:schemeClr val="accent1"/>
+          </a:lnRef>
+          <a:fillRef idx="3">
+            <a:schemeClr val="accent1"/>
+          </a:fillRef>
+          <a:effectRef idx="2">
+            <a:schemeClr val="accent1"/>
+          </a:effectRef>
+          <a:fontRef idx="minor">
+            <a:schemeClr val="lt1"/>
+          </a:fontRef>
+        </p:style>
+        <p:txBody>
+          <a:bodyPr rtlCol="0" anchor="ctr"/>
+          <a:lstStyle/>
+          <a:p>
+            <a:pPr algn="ctr"/>
+            <a:r>
+              <a:rPr lang="en-US" sz="1000" smtClean="0">
+                <a:solidFill>
+                  <a:schemeClr val="tx1"/>
+                </a:solidFill>
+              </a:rPr>
+              <a:t>Lexicon</a:t>
+            </a:r>
+          </a:p>
+          <a:p>
+            <a:pPr algn="ctr"/>
+            <a:r>
+              <a:rPr lang="en-US" sz="1000" dirty="0" err="1" smtClean="0">
+                <a:solidFill>
+                  <a:schemeClr val="tx1"/>
+                </a:solidFill>
+              </a:rPr>
+              <a:t>Pos</a:t>
+            </a:r>
+            <a:endParaRPr lang="en-US" sz="1000" dirty="0">
+              <a:solidFill>
+                <a:schemeClr val="tx1"/>
+              </a:solidFill>
+            </a:endParaRPr>
+          </a:p>
+        </p:txBody>
+      </p:sp>
+      <p:sp>
+        <p:nvSpPr>
+          <p:cNvPr id="126" name="TextBox 125"/>
+          <p:cNvSpPr txBox="1"/>
+          <p:nvPr/>
+        </p:nvSpPr>
+        <p:spPr>
+          <a:xfrm>
+            <a:off x="3146129" y="1986331"/>
+            <a:ext cx="434734" cy="246221"/>
+          </a:xfrm>
+          <a:prstGeom prst="rect">
+            <a:avLst/>
+          </a:prstGeom>
+          <a:noFill/>
+        </p:spPr>
+        <p:txBody>
+          <a:bodyPr wrap="none" rtlCol="0">
+            <a:spAutoFit/>
+          </a:bodyPr>
+          <a:lstStyle/>
+          <a:p>
+            <a:r>
+              <a:rPr lang="en-US" sz="1000" smtClean="0"/>
+              <a:t>Long</a:t>
+            </a:r>
+            <a:endParaRPr lang="en-US" sz="1000" dirty="0"/>
+          </a:p>
+        </p:txBody>
+      </p:sp>
+      <p:sp>
+        <p:nvSpPr>
+          <p:cNvPr id="132" name="Rectangle 43"/>
+          <p:cNvSpPr/>
+          <p:nvPr/>
+        </p:nvSpPr>
+        <p:spPr>
+          <a:xfrm>
+            <a:off x="3699125" y="2232471"/>
+            <a:ext cx="511448" cy="402336"/>
+          </a:xfrm>
+          <a:prstGeom prst="rect">
+            <a:avLst/>
+          </a:prstGeom>
+          <a:noFill/>
+          <a:ln>
+            <a:solidFill>
+              <a:schemeClr val="bg1">
+                <a:lumMod val="50000"/>
+              </a:schemeClr>
+            </a:solidFill>
+          </a:ln>
+          <a:effectLst/>
+        </p:spPr>
+        <p:style>
+          <a:lnRef idx="1">
+            <a:schemeClr val="accent1"/>
+          </a:lnRef>
+          <a:fillRef idx="3">
+            <a:schemeClr val="accent1"/>
+          </a:fillRef>
+          <a:effectRef idx="2">
+            <a:schemeClr val="accent1"/>
+          </a:effectRef>
+          <a:fontRef idx="minor">
+            <a:schemeClr val="lt1"/>
+          </a:fontRef>
+        </p:style>
+        <p:txBody>
+          <a:bodyPr rtlCol="0" anchor="ctr"/>
+          <a:lstStyle/>
+          <a:p>
+            <a:pPr algn="ctr"/>
+            <a:r>
+              <a:rPr lang="en-US" sz="1000" dirty="0" err="1" smtClean="0">
+                <a:solidFill>
+                  <a:schemeClr val="tx1"/>
+                </a:solidFill>
+              </a:rPr>
+              <a:t>Pos</a:t>
+            </a:r>
+            <a:endParaRPr lang="en-US" sz="1000" dirty="0">
+              <a:solidFill>
+                <a:schemeClr val="tx1"/>
+              </a:solidFill>
+            </a:endParaRPr>
+          </a:p>
+        </p:txBody>
+      </p:sp>
+      <p:sp>
+        <p:nvSpPr>
+          <p:cNvPr id="133" name="TextBox 132"/>
+          <p:cNvSpPr txBox="1"/>
+          <p:nvPr/>
+        </p:nvSpPr>
+        <p:spPr>
+          <a:xfrm>
+            <a:off x="3737480" y="1986331"/>
+            <a:ext cx="434734" cy="246221"/>
+          </a:xfrm>
+          <a:prstGeom prst="rect">
+            <a:avLst/>
+          </a:prstGeom>
+          <a:noFill/>
+        </p:spPr>
+        <p:txBody>
+          <a:bodyPr wrap="none" rtlCol="0">
+            <a:spAutoFit/>
+          </a:bodyPr>
+          <a:lstStyle/>
+          <a:p>
+            <a:r>
+              <a:rPr lang="en-US" sz="1000" smtClean="0"/>
+              <a:t>Long</a:t>
+            </a:r>
+            <a:endParaRPr lang="en-US" sz="1000" dirty="0"/>
+          </a:p>
+        </p:txBody>
+      </p:sp>
+      <p:cxnSp>
+        <p:nvCxnSpPr>
+          <p:cNvPr id="134" name="Straight Arrow Connector 76"/>
+          <p:cNvCxnSpPr>
+            <a:stCxn id="125" idx="2"/>
+          </p:cNvCxnSpPr>
+          <p:nvPr/>
+        </p:nvCxnSpPr>
+        <p:spPr>
+          <a:xfrm flipH="1">
+            <a:off x="2372456" y="2634807"/>
+            <a:ext cx="1030398" cy="532683"/>
+          </a:xfrm>
+          <a:prstGeom prst="straightConnector1">
+            <a:avLst/>
+          </a:prstGeom>
+          <a:ln w="6350">
+            <a:solidFill>
+              <a:schemeClr val="bg1">
+                <a:lumMod val="50000"/>
+              </a:schemeClr>
+            </a:solidFill>
+            <a:tailEnd type="triangle"/>
+          </a:ln>
+          <a:effectLst/>
+        </p:spPr>
+        <p:style>
+          <a:lnRef idx="2">
+            <a:schemeClr val="accent1"/>
+          </a:lnRef>
+          <a:fillRef idx="0">
+            <a:schemeClr val="accent1"/>
+          </a:fillRef>
+          <a:effectRef idx="1">
+            <a:schemeClr val="accent1"/>
+          </a:effectRef>
+          <a:fontRef idx="minor">
+            <a:schemeClr val="tx1"/>
+          </a:fontRef>
+        </p:style>
+      </p:cxnSp>
+      <p:cxnSp>
+        <p:nvCxnSpPr>
+          <p:cNvPr id="135" name="Straight Arrow Connector 76"/>
+          <p:cNvCxnSpPr>
+            <a:stCxn id="132" idx="2"/>
+          </p:cNvCxnSpPr>
+          <p:nvPr/>
+        </p:nvCxnSpPr>
+        <p:spPr>
+          <a:xfrm flipH="1">
+            <a:off x="2816145" y="2634807"/>
+            <a:ext cx="1138704" cy="1358060"/>
+          </a:xfrm>
+          <a:prstGeom prst="straightConnector1">
+            <a:avLst/>
+          </a:prstGeom>
+          <a:ln w="6350">
+            <a:solidFill>
+              <a:schemeClr val="bg1">
+                <a:lumMod val="50000"/>
+              </a:schemeClr>
+            </a:solidFill>
+            <a:tailEnd type="triangle"/>
+          </a:ln>
+          <a:effectLst/>
+        </p:spPr>
+        <p:style>
+          <a:lnRef idx="2">
+            <a:schemeClr val="accent1"/>
+          </a:lnRef>
+          <a:fillRef idx="0">
+            <a:schemeClr val="accent1"/>
+          </a:fillRef>
+          <a:effectRef idx="1">
+            <a:schemeClr val="accent1"/>
+          </a:effectRef>
+          <a:fontRef idx="minor">
+            <a:schemeClr val="tx1"/>
+          </a:fontRef>
+        </p:style>
+      </p:cxnSp>
+      <p:sp>
+        <p:nvSpPr>
+          <p:cNvPr id="136" name="Rectangle 43"/>
+          <p:cNvSpPr/>
+          <p:nvPr/>
+        </p:nvSpPr>
+        <p:spPr>
+          <a:xfrm>
+            <a:off x="5404304" y="2232632"/>
+            <a:ext cx="549803" cy="402336"/>
+          </a:xfrm>
+          <a:prstGeom prst="rect">
+            <a:avLst/>
+          </a:prstGeom>
+          <a:noFill/>
+          <a:ln>
+            <a:solidFill>
+              <a:schemeClr val="bg1">
+                <a:lumMod val="50000"/>
+              </a:schemeClr>
+            </a:solidFill>
+          </a:ln>
+          <a:effectLst/>
+        </p:spPr>
+        <p:style>
+          <a:lnRef idx="1">
+            <a:schemeClr val="accent1"/>
+          </a:lnRef>
+          <a:fillRef idx="3">
+            <a:schemeClr val="accent1"/>
+          </a:fillRef>
+          <a:effectRef idx="2">
+            <a:schemeClr val="accent1"/>
+          </a:effectRef>
+          <a:fontRef idx="minor">
+            <a:schemeClr val="lt1"/>
+          </a:fontRef>
+        </p:style>
+        <p:txBody>
+          <a:bodyPr rtlCol="0" anchor="ctr"/>
+          <a:lstStyle/>
+          <a:p>
+            <a:pPr algn="ctr"/>
+            <a:r>
+              <a:rPr lang="en-US" sz="1000" dirty="0" err="1" smtClean="0">
+                <a:solidFill>
+                  <a:schemeClr val="tx1"/>
+                </a:solidFill>
+              </a:rPr>
+              <a:t>TermN</a:t>
+            </a:r>
+            <a:endParaRPr lang="en-US" sz="1000" dirty="0">
+              <a:solidFill>
+                <a:schemeClr val="tx1"/>
+              </a:solidFill>
+            </a:endParaRPr>
+          </a:p>
+        </p:txBody>
+      </p:sp>
+      <p:sp>
+        <p:nvSpPr>
+          <p:cNvPr id="137" name="TextBox 136"/>
+          <p:cNvSpPr txBox="1"/>
+          <p:nvPr/>
+        </p:nvSpPr>
+        <p:spPr>
+          <a:xfrm>
+            <a:off x="5374534" y="1986408"/>
+            <a:ext cx="570990" cy="246221"/>
+          </a:xfrm>
+          <a:prstGeom prst="rect">
+            <a:avLst/>
+          </a:prstGeom>
+          <a:noFill/>
+        </p:spPr>
+        <p:txBody>
+          <a:bodyPr wrap="none" rtlCol="0">
+            <a:spAutoFit/>
+          </a:bodyPr>
+          <a:lstStyle/>
+          <a:p>
+            <a:r>
+              <a:rPr lang="en-US" sz="1000" dirty="0" err="1" smtClean="0"/>
+              <a:t>UString</a:t>
+            </a:r>
+            <a:endParaRPr lang="en-US" sz="1000" dirty="0"/>
+          </a:p>
+        </p:txBody>
+      </p:sp>
+      <p:sp>
+        <p:nvSpPr>
+          <p:cNvPr id="138" name="Rectangle 43"/>
+          <p:cNvSpPr/>
+          <p:nvPr/>
+        </p:nvSpPr>
+        <p:spPr>
+          <a:xfrm>
+            <a:off x="5952109" y="2232468"/>
+            <a:ext cx="590160" cy="402336"/>
+          </a:xfrm>
+          <a:prstGeom prst="rect">
+            <a:avLst/>
+          </a:prstGeom>
+          <a:noFill/>
+          <a:ln>
+            <a:solidFill>
+              <a:schemeClr val="bg1">
+                <a:lumMod val="50000"/>
+              </a:schemeClr>
+            </a:solidFill>
+          </a:ln>
+          <a:effectLst/>
+        </p:spPr>
+        <p:style>
+          <a:lnRef idx="1">
+            <a:schemeClr val="accent1"/>
+          </a:lnRef>
+          <a:fillRef idx="3">
+            <a:schemeClr val="accent1"/>
+          </a:fillRef>
+          <a:effectRef idx="2">
+            <a:schemeClr val="accent1"/>
+          </a:effectRef>
+          <a:fontRef idx="minor">
+            <a:schemeClr val="lt1"/>
+          </a:fontRef>
+        </p:style>
+        <p:txBody>
+          <a:bodyPr rtlCol="0" anchor="ctr"/>
+          <a:lstStyle/>
+          <a:p>
+            <a:pPr algn="ctr"/>
+            <a:r>
+              <a:rPr lang="en-US" sz="1000" smtClean="0">
+                <a:solidFill>
+                  <a:schemeClr val="tx1"/>
+                </a:solidFill>
+              </a:rPr>
+              <a:t>Lexicon</a:t>
+            </a:r>
+          </a:p>
+          <a:p>
+            <a:pPr algn="ctr"/>
+            <a:r>
+              <a:rPr lang="en-US" sz="1000" dirty="0" err="1" smtClean="0">
+                <a:solidFill>
+                  <a:schemeClr val="tx1"/>
+                </a:solidFill>
+              </a:rPr>
+              <a:t>Pos</a:t>
+            </a:r>
+            <a:endParaRPr lang="en-US" sz="1000" dirty="0">
+              <a:solidFill>
+                <a:schemeClr val="tx1"/>
+              </a:solidFill>
+            </a:endParaRPr>
+          </a:p>
+        </p:txBody>
+      </p:sp>
+      <p:sp>
+        <p:nvSpPr>
+          <p:cNvPr id="139" name="TextBox 138"/>
+          <p:cNvSpPr txBox="1"/>
+          <p:nvPr/>
+        </p:nvSpPr>
+        <p:spPr>
+          <a:xfrm>
+            <a:off x="5990464" y="1986328"/>
+            <a:ext cx="434734" cy="246221"/>
+          </a:xfrm>
+          <a:prstGeom prst="rect">
+            <a:avLst/>
+          </a:prstGeom>
+          <a:noFill/>
+        </p:spPr>
+        <p:txBody>
+          <a:bodyPr wrap="none" rtlCol="0">
+            <a:spAutoFit/>
+          </a:bodyPr>
+          <a:lstStyle/>
+          <a:p>
+            <a:r>
+              <a:rPr lang="en-US" sz="1000" smtClean="0"/>
+              <a:t>Long</a:t>
+            </a:r>
+            <a:endParaRPr lang="en-US" sz="1000" dirty="0"/>
+          </a:p>
+        </p:txBody>
+      </p:sp>
+      <p:sp>
+        <p:nvSpPr>
+          <p:cNvPr id="140" name="Rectangle 43"/>
+          <p:cNvSpPr/>
+          <p:nvPr/>
+        </p:nvSpPr>
+        <p:spPr>
+          <a:xfrm>
+            <a:off x="6543460" y="2232468"/>
+            <a:ext cx="511448" cy="402336"/>
+          </a:xfrm>
+          <a:prstGeom prst="rect">
+            <a:avLst/>
+          </a:prstGeom>
+          <a:noFill/>
+          <a:ln>
+            <a:solidFill>
+              <a:schemeClr val="bg1">
+                <a:lumMod val="50000"/>
+              </a:schemeClr>
+            </a:solidFill>
+          </a:ln>
+          <a:effectLst/>
+        </p:spPr>
+        <p:style>
+          <a:lnRef idx="1">
+            <a:schemeClr val="accent1"/>
+          </a:lnRef>
+          <a:fillRef idx="3">
+            <a:schemeClr val="accent1"/>
+          </a:fillRef>
+          <a:effectRef idx="2">
+            <a:schemeClr val="accent1"/>
+          </a:effectRef>
+          <a:fontRef idx="minor">
+            <a:schemeClr val="lt1"/>
+          </a:fontRef>
+        </p:style>
+        <p:txBody>
+          <a:bodyPr rtlCol="0" anchor="ctr"/>
+          <a:lstStyle/>
+          <a:p>
+            <a:pPr algn="ctr"/>
+            <a:r>
+              <a:rPr lang="en-US" sz="1000" dirty="0" err="1" smtClean="0">
+                <a:solidFill>
+                  <a:schemeClr val="tx1"/>
+                </a:solidFill>
+              </a:rPr>
+              <a:t>Pos</a:t>
+            </a:r>
+            <a:endParaRPr lang="en-US" sz="1000" dirty="0">
+              <a:solidFill>
+                <a:schemeClr val="tx1"/>
+              </a:solidFill>
+            </a:endParaRPr>
+          </a:p>
+        </p:txBody>
+      </p:sp>
+      <p:sp>
+        <p:nvSpPr>
+          <p:cNvPr id="141" name="TextBox 140"/>
+          <p:cNvSpPr txBox="1"/>
+          <p:nvPr/>
+        </p:nvSpPr>
+        <p:spPr>
+          <a:xfrm>
+            <a:off x="6581815" y="1986328"/>
+            <a:ext cx="434734" cy="246221"/>
+          </a:xfrm>
+          <a:prstGeom prst="rect">
+            <a:avLst/>
+          </a:prstGeom>
+          <a:noFill/>
+        </p:spPr>
+        <p:txBody>
+          <a:bodyPr wrap="none" rtlCol="0">
+            <a:spAutoFit/>
+          </a:bodyPr>
+          <a:lstStyle/>
+          <a:p>
+            <a:r>
+              <a:rPr lang="en-US" sz="1000" smtClean="0"/>
+              <a:t>Long</a:t>
+            </a:r>
+            <a:endParaRPr lang="en-US" sz="1000" dirty="0"/>
+          </a:p>
+        </p:txBody>
+      </p:sp>
+      <p:sp>
+        <p:nvSpPr>
+          <p:cNvPr id="142" name="Rectangle 43"/>
+          <p:cNvSpPr/>
+          <p:nvPr/>
+        </p:nvSpPr>
+        <p:spPr>
+          <a:xfrm>
+            <a:off x="5957236" y="3140803"/>
+            <a:ext cx="588162" cy="402336"/>
+          </a:xfrm>
+          <a:prstGeom prst="rect">
+            <a:avLst/>
+          </a:prstGeom>
+          <a:noFill/>
+          <a:ln>
+            <a:solidFill>
+              <a:schemeClr val="bg1">
+                <a:lumMod val="50000"/>
+              </a:schemeClr>
+            </a:solidFill>
+          </a:ln>
+          <a:effectLst/>
+        </p:spPr>
+        <p:style>
+          <a:lnRef idx="1">
+            <a:schemeClr val="accent1"/>
+          </a:lnRef>
+          <a:fillRef idx="3">
+            <a:schemeClr val="accent1"/>
+          </a:fillRef>
+          <a:effectRef idx="2">
+            <a:schemeClr val="accent1"/>
+          </a:effectRef>
+          <a:fontRef idx="minor">
+            <a:schemeClr val="lt1"/>
+          </a:fontRef>
+        </p:style>
+        <p:txBody>
+          <a:bodyPr rtlCol="0" anchor="ctr"/>
+          <a:lstStyle/>
+          <a:p>
+            <a:pPr algn="ctr"/>
+            <a:r>
+              <a:rPr lang="en-US" sz="1000" dirty="0" err="1" smtClean="0">
+                <a:solidFill>
+                  <a:schemeClr val="tx1"/>
+                </a:solidFill>
+              </a:rPr>
+              <a:t>TermN</a:t>
+            </a:r>
+            <a:endParaRPr lang="en-US" sz="1000" dirty="0">
+              <a:solidFill>
+                <a:schemeClr val="tx1"/>
+              </a:solidFill>
+            </a:endParaRPr>
+          </a:p>
+        </p:txBody>
+      </p:sp>
+      <p:sp>
+        <p:nvSpPr>
+          <p:cNvPr id="143" name="TextBox 142"/>
+          <p:cNvSpPr txBox="1"/>
+          <p:nvPr/>
+        </p:nvSpPr>
+        <p:spPr>
+          <a:xfrm>
+            <a:off x="5927465" y="2894579"/>
+            <a:ext cx="570990" cy="246221"/>
+          </a:xfrm>
+          <a:prstGeom prst="rect">
+            <a:avLst/>
+          </a:prstGeom>
+          <a:noFill/>
+        </p:spPr>
+        <p:txBody>
+          <a:bodyPr wrap="none" rtlCol="0">
+            <a:spAutoFit/>
+          </a:bodyPr>
+          <a:lstStyle/>
+          <a:p>
+            <a:r>
+              <a:rPr lang="en-US" sz="1000" dirty="0" err="1" smtClean="0"/>
+              <a:t>UString</a:t>
+            </a:r>
+            <a:endParaRPr lang="en-US" sz="1000" dirty="0"/>
+          </a:p>
+        </p:txBody>
+      </p:sp>
+      <p:sp>
+        <p:nvSpPr>
+          <p:cNvPr id="144" name="Rectangle 43"/>
+          <p:cNvSpPr/>
+          <p:nvPr/>
+        </p:nvSpPr>
+        <p:spPr>
+          <a:xfrm>
+            <a:off x="6545398" y="3140719"/>
+            <a:ext cx="511448" cy="402336"/>
+          </a:xfrm>
+          <a:prstGeom prst="rect">
+            <a:avLst/>
+          </a:prstGeom>
+          <a:noFill/>
+          <a:ln>
+            <a:solidFill>
+              <a:schemeClr val="bg1">
+                <a:lumMod val="50000"/>
+              </a:schemeClr>
+            </a:solidFill>
+          </a:ln>
+          <a:effectLst/>
+        </p:spPr>
+        <p:style>
+          <a:lnRef idx="1">
+            <a:schemeClr val="accent1"/>
+          </a:lnRef>
+          <a:fillRef idx="3">
+            <a:schemeClr val="accent1"/>
+          </a:fillRef>
+          <a:effectRef idx="2">
+            <a:schemeClr val="accent1"/>
+          </a:effectRef>
+          <a:fontRef idx="minor">
+            <a:schemeClr val="lt1"/>
+          </a:fontRef>
+        </p:style>
+        <p:txBody>
+          <a:bodyPr rtlCol="0" anchor="ctr"/>
+          <a:lstStyle/>
+          <a:p>
+            <a:pPr algn="ctr"/>
+            <a:r>
+              <a:rPr lang="en-US" sz="1000" dirty="0" err="1" smtClean="0">
+                <a:solidFill>
+                  <a:schemeClr val="tx1"/>
+                </a:solidFill>
+              </a:rPr>
+              <a:t>Pos</a:t>
+            </a:r>
+            <a:endParaRPr lang="en-US" sz="1000" dirty="0">
+              <a:solidFill>
+                <a:schemeClr val="tx1"/>
+              </a:solidFill>
+            </a:endParaRPr>
+          </a:p>
+        </p:txBody>
+      </p:sp>
+      <p:sp>
+        <p:nvSpPr>
+          <p:cNvPr id="145" name="TextBox 144"/>
+          <p:cNvSpPr txBox="1"/>
+          <p:nvPr/>
+        </p:nvSpPr>
+        <p:spPr>
+          <a:xfrm>
+            <a:off x="6583753" y="2894579"/>
+            <a:ext cx="434734" cy="246221"/>
+          </a:xfrm>
+          <a:prstGeom prst="rect">
+            <a:avLst/>
+          </a:prstGeom>
+          <a:noFill/>
+        </p:spPr>
+        <p:txBody>
+          <a:bodyPr wrap="none" rtlCol="0">
+            <a:spAutoFit/>
+          </a:bodyPr>
+          <a:lstStyle/>
+          <a:p>
+            <a:r>
+              <a:rPr lang="en-US" sz="1000" smtClean="0"/>
+              <a:t>Long</a:t>
+            </a:r>
+            <a:endParaRPr lang="en-US" sz="1000" dirty="0"/>
+          </a:p>
+        </p:txBody>
+      </p:sp>
+      <p:cxnSp>
+        <p:nvCxnSpPr>
+          <p:cNvPr id="146" name="Straight Arrow Connector 76"/>
+          <p:cNvCxnSpPr>
+            <a:stCxn id="138" idx="2"/>
+          </p:cNvCxnSpPr>
+          <p:nvPr/>
+        </p:nvCxnSpPr>
+        <p:spPr>
+          <a:xfrm flipH="1">
+            <a:off x="5952109" y="2634804"/>
+            <a:ext cx="295080" cy="514402"/>
+          </a:xfrm>
+          <a:prstGeom prst="straightConnector1">
+            <a:avLst/>
+          </a:prstGeom>
+          <a:ln w="6350">
+            <a:solidFill>
+              <a:schemeClr val="bg1">
+                <a:lumMod val="50000"/>
+              </a:schemeClr>
+            </a:solidFill>
+            <a:tailEnd type="triangle"/>
+          </a:ln>
+          <a:effectLst/>
+        </p:spPr>
+        <p:style>
+          <a:lnRef idx="2">
+            <a:schemeClr val="accent1"/>
+          </a:lnRef>
+          <a:fillRef idx="0">
+            <a:schemeClr val="accent1"/>
+          </a:fillRef>
+          <a:effectRef idx="1">
+            <a:schemeClr val="accent1"/>
+          </a:effectRef>
+          <a:fontRef idx="minor">
+            <a:schemeClr val="tx1"/>
+          </a:fontRef>
+        </p:style>
+      </p:cxnSp>
+      <p:cxnSp>
+        <p:nvCxnSpPr>
+          <p:cNvPr id="147" name="Straight Arrow Connector 76"/>
+          <p:cNvCxnSpPr>
+            <a:stCxn id="140" idx="2"/>
+          </p:cNvCxnSpPr>
+          <p:nvPr/>
+        </p:nvCxnSpPr>
+        <p:spPr>
+          <a:xfrm flipH="1">
+            <a:off x="2791770" y="2634804"/>
+            <a:ext cx="4007414" cy="3488618"/>
+          </a:xfrm>
+          <a:prstGeom prst="straightConnector1">
+            <a:avLst/>
+          </a:prstGeom>
+          <a:ln w="6350">
+            <a:solidFill>
+              <a:schemeClr val="bg1">
+                <a:lumMod val="50000"/>
+              </a:schemeClr>
+            </a:solidFill>
+            <a:tailEnd type="triangle"/>
+          </a:ln>
+          <a:effectLst/>
+        </p:spPr>
+        <p:style>
+          <a:lnRef idx="2">
+            <a:schemeClr val="accent1"/>
+          </a:lnRef>
+          <a:fillRef idx="0">
+            <a:schemeClr val="accent1"/>
+          </a:fillRef>
+          <a:effectRef idx="1">
+            <a:schemeClr val="accent1"/>
+          </a:effectRef>
+          <a:fontRef idx="minor">
+            <a:schemeClr val="tx1"/>
+          </a:fontRef>
+        </p:style>
+      </p:cxnSp>
+      <p:sp>
+        <p:nvSpPr>
+          <p:cNvPr id="148" name="Rectangle 41"/>
+          <p:cNvSpPr/>
+          <p:nvPr/>
+        </p:nvSpPr>
+        <p:spPr>
+          <a:xfrm>
+            <a:off x="2769326" y="6123426"/>
+            <a:ext cx="451827" cy="402336"/>
+          </a:xfrm>
+          <a:prstGeom prst="rect">
+            <a:avLst/>
+          </a:prstGeom>
+          <a:solidFill>
+            <a:schemeClr val="bg1"/>
+          </a:solidFill>
+          <a:ln>
+            <a:solidFill>
+              <a:schemeClr val="bg1">
+                <a:lumMod val="50000"/>
+              </a:schemeClr>
+            </a:solidFill>
+          </a:ln>
+          <a:effectLst/>
+        </p:spPr>
+        <p:style>
+          <a:lnRef idx="1">
+            <a:schemeClr val="accent1"/>
+          </a:lnRef>
+          <a:fillRef idx="3">
+            <a:schemeClr val="accent1"/>
+          </a:fillRef>
+          <a:effectRef idx="2">
+            <a:schemeClr val="accent1"/>
+          </a:effectRef>
+          <a:fontRef idx="minor">
+            <a:schemeClr val="lt1"/>
+          </a:fontRef>
+        </p:style>
+        <p:txBody>
+          <a:bodyPr rtlCol="0" anchor="ctr"/>
+          <a:lstStyle/>
+          <a:p>
+            <a:pPr algn="ctr"/>
+            <a:r>
+              <a:rPr lang="en-US" sz="1000" dirty="0" err="1" smtClean="0">
+                <a:solidFill>
+                  <a:schemeClr val="tx1"/>
+                </a:solidFill>
+              </a:rPr>
+              <a:t>len</a:t>
+            </a:r>
+            <a:endParaRPr lang="en-US" sz="1000" dirty="0">
+              <a:solidFill>
+                <a:schemeClr val="tx1"/>
+              </a:solidFill>
+            </a:endParaRPr>
+          </a:p>
+        </p:txBody>
+      </p:sp>
+      <p:sp>
+        <p:nvSpPr>
+          <p:cNvPr id="149" name="Rectangle 42"/>
+          <p:cNvSpPr/>
+          <p:nvPr/>
+        </p:nvSpPr>
+        <p:spPr>
+          <a:xfrm>
+            <a:off x="3225285" y="6123426"/>
+            <a:ext cx="519688" cy="402336"/>
+          </a:xfrm>
+          <a:prstGeom prst="rect">
+            <a:avLst/>
+          </a:prstGeom>
+          <a:noFill/>
+          <a:ln>
+            <a:solidFill>
+              <a:schemeClr val="bg1">
+                <a:lumMod val="50000"/>
+              </a:schemeClr>
+            </a:solidFill>
+          </a:ln>
+          <a:effectLst/>
+        </p:spPr>
+        <p:style>
+          <a:lnRef idx="1">
+            <a:schemeClr val="accent1"/>
+          </a:lnRef>
+          <a:fillRef idx="3">
+            <a:schemeClr val="accent1"/>
+          </a:fillRef>
+          <a:effectRef idx="2">
+            <a:schemeClr val="accent1"/>
+          </a:effectRef>
+          <a:fontRef idx="minor">
+            <a:schemeClr val="lt1"/>
+          </a:fontRef>
+        </p:style>
+        <p:txBody>
+          <a:bodyPr rtlCol="0" anchor="ctr"/>
+          <a:lstStyle/>
+          <a:p>
+            <a:pPr algn="ctr"/>
+            <a:r>
+              <a:rPr lang="en-US" sz="1000" dirty="0" smtClean="0">
+                <a:solidFill>
+                  <a:schemeClr val="tx1"/>
+                </a:solidFill>
+              </a:rPr>
+              <a:t>Count</a:t>
+            </a:r>
+            <a:endParaRPr lang="en-US" sz="1000" dirty="0">
+              <a:solidFill>
+                <a:schemeClr val="tx1"/>
+              </a:solidFill>
+            </a:endParaRPr>
+          </a:p>
+        </p:txBody>
+      </p:sp>
+      <p:sp>
+        <p:nvSpPr>
+          <p:cNvPr id="150" name="Rectangle 43"/>
+          <p:cNvSpPr/>
+          <p:nvPr/>
+        </p:nvSpPr>
+        <p:spPr>
+          <a:xfrm>
+            <a:off x="3744884" y="6123426"/>
+            <a:ext cx="760781" cy="402336"/>
+          </a:xfrm>
+          <a:prstGeom prst="rect">
+            <a:avLst/>
+          </a:prstGeom>
+          <a:noFill/>
+          <a:ln>
+            <a:solidFill>
+              <a:schemeClr val="bg1">
+                <a:lumMod val="50000"/>
+              </a:schemeClr>
+            </a:solidFill>
+          </a:ln>
+          <a:effectLst/>
+        </p:spPr>
+        <p:style>
+          <a:lnRef idx="1">
+            <a:schemeClr val="accent1"/>
+          </a:lnRef>
+          <a:fillRef idx="3">
+            <a:schemeClr val="accent1"/>
+          </a:fillRef>
+          <a:effectRef idx="2">
+            <a:schemeClr val="accent1"/>
+          </a:effectRef>
+          <a:fontRef idx="minor">
+            <a:schemeClr val="lt1"/>
+          </a:fontRef>
+        </p:style>
+        <p:txBody>
+          <a:bodyPr rtlCol="0" anchor="ctr"/>
+          <a:lstStyle/>
+          <a:p>
+            <a:pPr algn="ctr"/>
+            <a:r>
+              <a:rPr lang="en-US" sz="1000" smtClean="0">
+                <a:solidFill>
+                  <a:schemeClr val="tx1"/>
+                </a:solidFill>
+              </a:rPr>
+              <a:t>LastDocNo</a:t>
+            </a:r>
+            <a:endParaRPr lang="en-US" sz="1000" dirty="0">
+              <a:solidFill>
+                <a:schemeClr val="tx1"/>
+              </a:solidFill>
+            </a:endParaRPr>
+          </a:p>
+        </p:txBody>
+      </p:sp>
+      <p:sp>
+        <p:nvSpPr>
+          <p:cNvPr id="151" name="TextBox 150"/>
+          <p:cNvSpPr txBox="1"/>
+          <p:nvPr/>
+        </p:nvSpPr>
+        <p:spPr>
+          <a:xfrm>
+            <a:off x="2783659" y="5877202"/>
+            <a:ext cx="470000" cy="246221"/>
+          </a:xfrm>
+          <a:prstGeom prst="rect">
+            <a:avLst/>
+          </a:prstGeom>
+          <a:noFill/>
+        </p:spPr>
+        <p:txBody>
+          <a:bodyPr wrap="none" rtlCol="0">
+            <a:spAutoFit/>
+          </a:bodyPr>
+          <a:lstStyle/>
+          <a:p>
+            <a:r>
+              <a:rPr lang="en-US" sz="1000" dirty="0" err="1" smtClean="0"/>
+              <a:t>Int</a:t>
+            </a:r>
+            <a:r>
+              <a:rPr lang="en-US" sz="1000" dirty="0" smtClean="0"/>
+              <a:t>(4)</a:t>
+            </a:r>
+            <a:endParaRPr lang="en-US" sz="1000" dirty="0"/>
+          </a:p>
+        </p:txBody>
+      </p:sp>
+      <p:sp>
+        <p:nvSpPr>
+          <p:cNvPr id="152" name="TextBox 151"/>
+          <p:cNvSpPr txBox="1"/>
+          <p:nvPr/>
+        </p:nvSpPr>
+        <p:spPr>
+          <a:xfrm>
+            <a:off x="3270752" y="5877204"/>
+            <a:ext cx="470000" cy="246221"/>
+          </a:xfrm>
+          <a:prstGeom prst="rect">
+            <a:avLst/>
+          </a:prstGeom>
+          <a:noFill/>
+        </p:spPr>
+        <p:txBody>
+          <a:bodyPr wrap="none" rtlCol="0">
+            <a:spAutoFit/>
+          </a:bodyPr>
+          <a:lstStyle/>
+          <a:p>
+            <a:r>
+              <a:rPr lang="en-US" sz="1000" dirty="0" err="1" smtClean="0"/>
+              <a:t>Int</a:t>
+            </a:r>
+            <a:r>
+              <a:rPr lang="en-US" sz="1000" dirty="0" smtClean="0"/>
+              <a:t>(4)</a:t>
+            </a:r>
+            <a:endParaRPr lang="en-US" sz="1000" dirty="0"/>
+          </a:p>
+        </p:txBody>
+      </p:sp>
+      <p:sp>
+        <p:nvSpPr>
+          <p:cNvPr id="153" name="TextBox 152"/>
+          <p:cNvSpPr txBox="1"/>
+          <p:nvPr/>
+        </p:nvSpPr>
+        <p:spPr>
+          <a:xfrm>
+            <a:off x="3905955" y="5877204"/>
+            <a:ext cx="470000" cy="246221"/>
+          </a:xfrm>
+          <a:prstGeom prst="rect">
+            <a:avLst/>
+          </a:prstGeom>
+          <a:noFill/>
+        </p:spPr>
+        <p:txBody>
+          <a:bodyPr wrap="none" rtlCol="0">
+            <a:spAutoFit/>
+          </a:bodyPr>
+          <a:lstStyle/>
+          <a:p>
+            <a:r>
+              <a:rPr lang="en-US" sz="1000" dirty="0" err="1" smtClean="0"/>
+              <a:t>Int</a:t>
+            </a:r>
+            <a:r>
+              <a:rPr lang="en-US" sz="1000" dirty="0" smtClean="0"/>
+              <a:t>(4)</a:t>
+            </a:r>
+            <a:endParaRPr lang="en-US" sz="1000" dirty="0"/>
+          </a:p>
+        </p:txBody>
+      </p:sp>
+      <p:sp>
+        <p:nvSpPr>
+          <p:cNvPr id="154" name="Rectangle 43"/>
+          <p:cNvSpPr/>
+          <p:nvPr/>
+        </p:nvSpPr>
+        <p:spPr>
+          <a:xfrm>
+            <a:off x="4505665" y="6123425"/>
+            <a:ext cx="760781" cy="402336"/>
+          </a:xfrm>
+          <a:prstGeom prst="rect">
+            <a:avLst/>
+          </a:prstGeom>
+          <a:noFill/>
+          <a:ln>
+            <a:solidFill>
+              <a:schemeClr val="bg1">
+                <a:lumMod val="50000"/>
+              </a:schemeClr>
+            </a:solidFill>
+          </a:ln>
+          <a:effectLst/>
+        </p:spPr>
+        <p:style>
+          <a:lnRef idx="1">
+            <a:schemeClr val="accent1"/>
+          </a:lnRef>
+          <a:fillRef idx="3">
+            <a:schemeClr val="accent1"/>
+          </a:fillRef>
+          <a:effectRef idx="2">
+            <a:schemeClr val="accent1"/>
+          </a:effectRef>
+          <a:fontRef idx="minor">
+            <a:schemeClr val="lt1"/>
+          </a:fontRef>
+        </p:style>
+        <p:txBody>
+          <a:bodyPr rtlCol="0" anchor="ctr"/>
+          <a:lstStyle/>
+          <a:p>
+            <a:pPr algn="ctr"/>
+            <a:r>
+              <a:rPr lang="en-US" sz="1000" dirty="0" err="1" smtClean="0">
+                <a:solidFill>
+                  <a:schemeClr val="tx1"/>
+                </a:solidFill>
+              </a:rPr>
+              <a:t>FirstDocNo</a:t>
+            </a:r>
+            <a:endParaRPr lang="en-US" sz="1000" dirty="0">
+              <a:solidFill>
+                <a:schemeClr val="tx1"/>
+              </a:solidFill>
+            </a:endParaRPr>
+          </a:p>
+        </p:txBody>
+      </p:sp>
+      <p:sp>
+        <p:nvSpPr>
+          <p:cNvPr id="155" name="TextBox 154"/>
+          <p:cNvSpPr txBox="1"/>
+          <p:nvPr/>
+        </p:nvSpPr>
+        <p:spPr>
+          <a:xfrm>
+            <a:off x="4674143" y="5877203"/>
+            <a:ext cx="399468" cy="246221"/>
+          </a:xfrm>
+          <a:prstGeom prst="rect">
+            <a:avLst/>
+          </a:prstGeom>
+          <a:noFill/>
+        </p:spPr>
+        <p:txBody>
+          <a:bodyPr wrap="none" rtlCol="0">
+            <a:spAutoFit/>
+          </a:bodyPr>
+          <a:lstStyle/>
+          <a:p>
+            <a:r>
+              <a:rPr lang="en-US" sz="1000" smtClean="0"/>
+              <a:t>VInt</a:t>
+            </a:r>
+            <a:endParaRPr lang="en-US" sz="1000" dirty="0"/>
+          </a:p>
+        </p:txBody>
+      </p:sp>
+      <p:sp>
+        <p:nvSpPr>
+          <p:cNvPr id="156" name="Rectangle 43"/>
+          <p:cNvSpPr/>
+          <p:nvPr/>
+        </p:nvSpPr>
+        <p:spPr>
+          <a:xfrm>
+            <a:off x="5266357" y="6123424"/>
+            <a:ext cx="564549" cy="402336"/>
+          </a:xfrm>
+          <a:prstGeom prst="rect">
+            <a:avLst/>
+          </a:prstGeom>
+          <a:noFill/>
+          <a:ln>
+            <a:solidFill>
+              <a:schemeClr val="bg1">
+                <a:lumMod val="50000"/>
+              </a:schemeClr>
+            </a:solidFill>
+          </a:ln>
+          <a:effectLst/>
+        </p:spPr>
+        <p:style>
+          <a:lnRef idx="1">
+            <a:schemeClr val="accent1"/>
+          </a:lnRef>
+          <a:fillRef idx="3">
+            <a:schemeClr val="accent1"/>
+          </a:fillRef>
+          <a:effectRef idx="2">
+            <a:schemeClr val="accent1"/>
+          </a:effectRef>
+          <a:fontRef idx="minor">
+            <a:schemeClr val="lt1"/>
+          </a:fontRef>
+        </p:style>
+        <p:txBody>
+          <a:bodyPr rtlCol="0" anchor="ctr"/>
+          <a:lstStyle/>
+          <a:p>
+            <a:pPr algn="ctr"/>
+            <a:r>
+              <a:rPr lang="en-US" sz="1000" dirty="0" err="1" smtClean="0">
+                <a:solidFill>
+                  <a:schemeClr val="tx1"/>
+                </a:solidFill>
+              </a:rPr>
+              <a:t>DocNo</a:t>
+            </a:r>
+            <a:endParaRPr lang="en-US" sz="1000" dirty="0" smtClean="0">
+              <a:solidFill>
+                <a:schemeClr val="tx1"/>
+              </a:solidFill>
+            </a:endParaRPr>
+          </a:p>
+          <a:p>
+            <a:pPr algn="ctr"/>
+            <a:r>
+              <a:rPr lang="en-US" sz="1000" dirty="0" smtClean="0">
+                <a:solidFill>
+                  <a:schemeClr val="tx1"/>
+                </a:solidFill>
+              </a:rPr>
+              <a:t>Delta</a:t>
+            </a:r>
+            <a:endParaRPr lang="en-US" sz="1000" dirty="0">
+              <a:solidFill>
+                <a:schemeClr val="tx1"/>
+              </a:solidFill>
+            </a:endParaRPr>
+          </a:p>
+        </p:txBody>
+      </p:sp>
+      <p:sp>
+        <p:nvSpPr>
+          <p:cNvPr id="157" name="TextBox 156"/>
+          <p:cNvSpPr txBox="1"/>
+          <p:nvPr/>
+        </p:nvSpPr>
+        <p:spPr>
+          <a:xfrm>
+            <a:off x="5331457" y="5877202"/>
+            <a:ext cx="399468" cy="246221"/>
+          </a:xfrm>
+          <a:prstGeom prst="rect">
+            <a:avLst/>
+          </a:prstGeom>
+          <a:noFill/>
+        </p:spPr>
+        <p:txBody>
+          <a:bodyPr wrap="none" rtlCol="0">
+            <a:spAutoFit/>
+          </a:bodyPr>
+          <a:lstStyle/>
+          <a:p>
+            <a:r>
+              <a:rPr lang="en-US" sz="1000" dirty="0" err="1" smtClean="0"/>
+              <a:t>VInt</a:t>
+            </a:r>
+            <a:endParaRPr lang="en-US" sz="1000" dirty="0"/>
+          </a:p>
+        </p:txBody>
+      </p:sp>
+      <p:sp>
+        <p:nvSpPr>
+          <p:cNvPr id="158" name="TextBox 157"/>
+          <p:cNvSpPr txBox="1"/>
+          <p:nvPr/>
+        </p:nvSpPr>
+        <p:spPr>
+          <a:xfrm>
+            <a:off x="5789315" y="6084438"/>
+            <a:ext cx="343364" cy="369332"/>
+          </a:xfrm>
+          <a:prstGeom prst="rect">
+            <a:avLst/>
+          </a:prstGeom>
+          <a:noFill/>
+        </p:spPr>
+        <p:txBody>
+          <a:bodyPr wrap="none" rtlCol="0">
+            <a:spAutoFit/>
+          </a:bodyPr>
+          <a:lstStyle/>
+          <a:p>
+            <a:r>
+              <a:rPr kumimoji="1" lang="is-IS" altLang="ko-KR" dirty="0" smtClean="0"/>
+              <a:t>…</a:t>
+            </a:r>
+            <a:endParaRPr kumimoji="1" lang="ko-KR" altLang="en-US" dirty="0"/>
+          </a:p>
+        </p:txBody>
+      </p:sp>
+      <p:sp>
+        <p:nvSpPr>
+          <p:cNvPr id="159" name="Rectangle 43"/>
+          <p:cNvSpPr/>
+          <p:nvPr/>
+        </p:nvSpPr>
+        <p:spPr>
+          <a:xfrm>
+            <a:off x="6090999" y="6123423"/>
+            <a:ext cx="564549" cy="402336"/>
+          </a:xfrm>
+          <a:prstGeom prst="rect">
+            <a:avLst/>
+          </a:prstGeom>
+          <a:noFill/>
+          <a:ln>
+            <a:solidFill>
+              <a:schemeClr val="bg1">
+                <a:lumMod val="50000"/>
+              </a:schemeClr>
+            </a:solidFill>
+          </a:ln>
+          <a:effectLst/>
+        </p:spPr>
+        <p:style>
+          <a:lnRef idx="1">
+            <a:schemeClr val="accent1"/>
+          </a:lnRef>
+          <a:fillRef idx="3">
+            <a:schemeClr val="accent1"/>
+          </a:fillRef>
+          <a:effectRef idx="2">
+            <a:schemeClr val="accent1"/>
+          </a:effectRef>
+          <a:fontRef idx="minor">
+            <a:schemeClr val="lt1"/>
+          </a:fontRef>
+        </p:style>
+        <p:txBody>
+          <a:bodyPr rtlCol="0" anchor="ctr"/>
+          <a:lstStyle/>
+          <a:p>
+            <a:pPr algn="ctr"/>
+            <a:r>
+              <a:rPr lang="en-US" sz="1000" dirty="0" err="1" smtClean="0">
+                <a:solidFill>
+                  <a:schemeClr val="tx1"/>
+                </a:solidFill>
+              </a:rPr>
+              <a:t>DocNo</a:t>
+            </a:r>
+            <a:endParaRPr lang="en-US" sz="1000" dirty="0" smtClean="0">
+              <a:solidFill>
+                <a:schemeClr val="tx1"/>
+              </a:solidFill>
+            </a:endParaRPr>
+          </a:p>
+          <a:p>
+            <a:pPr algn="ctr"/>
+            <a:r>
+              <a:rPr lang="en-US" sz="1000" dirty="0" smtClean="0">
+                <a:solidFill>
+                  <a:schemeClr val="tx1"/>
+                </a:solidFill>
+              </a:rPr>
+              <a:t>Delta</a:t>
+            </a:r>
+            <a:endParaRPr lang="en-US" sz="1000" dirty="0">
+              <a:solidFill>
+                <a:schemeClr val="tx1"/>
+              </a:solidFill>
+            </a:endParaRPr>
+          </a:p>
+        </p:txBody>
+      </p:sp>
+      <p:sp>
+        <p:nvSpPr>
+          <p:cNvPr id="160" name="TextBox 159"/>
+          <p:cNvSpPr txBox="1"/>
+          <p:nvPr/>
+        </p:nvSpPr>
+        <p:spPr>
+          <a:xfrm>
+            <a:off x="6156848" y="5877202"/>
+            <a:ext cx="399468" cy="246221"/>
+          </a:xfrm>
+          <a:prstGeom prst="rect">
+            <a:avLst/>
+          </a:prstGeom>
+          <a:noFill/>
+        </p:spPr>
+        <p:txBody>
+          <a:bodyPr wrap="none" rtlCol="0">
+            <a:spAutoFit/>
+          </a:bodyPr>
+          <a:lstStyle/>
+          <a:p>
+            <a:r>
+              <a:rPr lang="en-US" sz="1000" dirty="0" err="1" smtClean="0"/>
+              <a:t>VInt</a:t>
+            </a:r>
+            <a:endParaRPr lang="en-US" sz="1000" dirty="0"/>
+          </a:p>
+        </p:txBody>
+      </p:sp>
+      <p:sp>
+        <p:nvSpPr>
+          <p:cNvPr id="161" name="TextBox 160"/>
+          <p:cNvSpPr txBox="1"/>
+          <p:nvPr/>
+        </p:nvSpPr>
+        <p:spPr>
+          <a:xfrm rot="5400000">
+            <a:off x="4565135" y="5351970"/>
+            <a:ext cx="343364" cy="369332"/>
+          </a:xfrm>
+          <a:prstGeom prst="rect">
+            <a:avLst/>
+          </a:prstGeom>
+          <a:noFill/>
+        </p:spPr>
+        <p:txBody>
+          <a:bodyPr wrap="none" rtlCol="0">
+            <a:spAutoFit/>
+          </a:bodyPr>
+          <a:lstStyle/>
+          <a:p>
+            <a:r>
+              <a:rPr kumimoji="1" lang="is-IS" altLang="ko-KR" dirty="0" smtClean="0"/>
+              <a:t>…</a:t>
+            </a:r>
+            <a:endParaRPr kumimoji="1" lang="ko-KR" altLang="en-US" dirty="0"/>
+          </a:p>
+        </p:txBody>
+      </p:sp>
+      <p:sp>
+        <p:nvSpPr>
+          <p:cNvPr id="162" name="TextBox 161"/>
+          <p:cNvSpPr txBox="1"/>
+          <p:nvPr/>
+        </p:nvSpPr>
+        <p:spPr>
+          <a:xfrm>
+            <a:off x="4595142" y="2189654"/>
+            <a:ext cx="343364" cy="369332"/>
+          </a:xfrm>
+          <a:prstGeom prst="rect">
+            <a:avLst/>
+          </a:prstGeom>
+          <a:noFill/>
+        </p:spPr>
+        <p:txBody>
+          <a:bodyPr wrap="none" rtlCol="0">
+            <a:spAutoFit/>
+          </a:bodyPr>
+          <a:lstStyle/>
+          <a:p>
+            <a:r>
+              <a:rPr kumimoji="1" lang="is-IS" altLang="ko-KR" dirty="0" smtClean="0"/>
+              <a:t>…</a:t>
+            </a:r>
+            <a:endParaRPr kumimoji="1" lang="ko-KR" altLang="en-US" dirty="0"/>
+          </a:p>
+        </p:txBody>
+      </p:sp>
+      <p:sp>
+        <p:nvSpPr>
+          <p:cNvPr id="40" name="TextBox 39"/>
+          <p:cNvSpPr txBox="1"/>
+          <p:nvPr/>
+        </p:nvSpPr>
+        <p:spPr>
+          <a:xfrm>
+            <a:off x="5927465" y="1556715"/>
+            <a:ext cx="3204723" cy="261610"/>
+          </a:xfrm>
+          <a:prstGeom prst="rect">
+            <a:avLst/>
+          </a:prstGeom>
+          <a:noFill/>
+        </p:spPr>
+        <p:txBody>
+          <a:bodyPr wrap="none" rtlCol="0">
+            <a:spAutoFit/>
+          </a:bodyPr>
+          <a:lstStyle/>
+          <a:p>
+            <a:r>
+              <a:rPr kumimoji="1" lang="ko-KR" altLang="en-US" sz="1100" dirty="0" smtClean="0"/>
+              <a:t>* </a:t>
+            </a:r>
+            <a:r>
+              <a:rPr kumimoji="1" lang="en-US" altLang="ko-KR" sz="1100" dirty="0" err="1" smtClean="0"/>
+              <a:t>TermN</a:t>
+            </a:r>
+            <a:r>
+              <a:rPr kumimoji="1" lang="ko-KR" altLang="en-US" sz="1100" dirty="0" smtClean="0"/>
+              <a:t>은 </a:t>
+            </a:r>
+            <a:r>
+              <a:rPr kumimoji="1" lang="en-US" altLang="ko-KR" sz="1100" dirty="0" smtClean="0"/>
+              <a:t>Term1</a:t>
+            </a:r>
+            <a:r>
+              <a:rPr kumimoji="1" lang="ko-KR" altLang="en-US" sz="1100" dirty="0" smtClean="0"/>
+              <a:t>과 </a:t>
+            </a:r>
+            <a:r>
+              <a:rPr kumimoji="1" lang="en-US" altLang="ko-KR" sz="1100" dirty="0" err="1" smtClean="0"/>
+              <a:t>indexInterval</a:t>
+            </a:r>
+            <a:r>
+              <a:rPr kumimoji="1" lang="ko-KR" altLang="en-US" sz="1100" dirty="0" smtClean="0"/>
+              <a:t>이후의 단어이다</a:t>
+            </a:r>
+            <a:r>
+              <a:rPr kumimoji="1" lang="en-US" altLang="ko-KR" sz="1100" dirty="0" smtClean="0"/>
+              <a:t>.</a:t>
+            </a:r>
+            <a:endParaRPr kumimoji="1" lang="ko-KR" altLang="en-US" sz="1100" dirty="0"/>
+          </a:p>
+        </p:txBody>
+      </p:sp>
+      <p:sp>
+        <p:nvSpPr>
+          <p:cNvPr id="41" name="TextBox 40"/>
+          <p:cNvSpPr txBox="1"/>
+          <p:nvPr/>
+        </p:nvSpPr>
+        <p:spPr>
+          <a:xfrm>
+            <a:off x="6993130" y="4069458"/>
+            <a:ext cx="644728" cy="261610"/>
+          </a:xfrm>
+          <a:prstGeom prst="rect">
+            <a:avLst/>
+          </a:prstGeom>
+          <a:noFill/>
+        </p:spPr>
+        <p:txBody>
+          <a:bodyPr wrap="none" rtlCol="0">
+            <a:spAutoFit/>
+          </a:bodyPr>
+          <a:lstStyle/>
+          <a:p>
+            <a:r>
+              <a:rPr kumimoji="1" lang="en-US" altLang="ko-KR" sz="1100" dirty="0" smtClean="0"/>
+              <a:t>(Term1)</a:t>
+            </a:r>
+            <a:endParaRPr kumimoji="1" lang="ko-KR" altLang="en-US" sz="1100" dirty="0"/>
+          </a:p>
+        </p:txBody>
+      </p:sp>
+      <p:sp>
+        <p:nvSpPr>
+          <p:cNvPr id="163" name="TextBox 162"/>
+          <p:cNvSpPr txBox="1"/>
+          <p:nvPr/>
+        </p:nvSpPr>
+        <p:spPr>
+          <a:xfrm>
+            <a:off x="7015315" y="4800360"/>
+            <a:ext cx="644728" cy="261610"/>
+          </a:xfrm>
+          <a:prstGeom prst="rect">
+            <a:avLst/>
+          </a:prstGeom>
+          <a:noFill/>
+        </p:spPr>
+        <p:txBody>
+          <a:bodyPr wrap="none" rtlCol="0">
+            <a:spAutoFit/>
+          </a:bodyPr>
+          <a:lstStyle/>
+          <a:p>
+            <a:r>
+              <a:rPr kumimoji="1" lang="en-US" altLang="ko-KR" sz="1100" smtClean="0"/>
+              <a:t>(Term2)</a:t>
+            </a:r>
+            <a:endParaRPr kumimoji="1" lang="ko-KR" altLang="en-US" sz="1100" dirty="0"/>
+          </a:p>
+        </p:txBody>
+      </p:sp>
+      <p:sp>
+        <p:nvSpPr>
+          <p:cNvPr id="164" name="TextBox 163"/>
+          <p:cNvSpPr txBox="1"/>
+          <p:nvPr/>
+        </p:nvSpPr>
+        <p:spPr>
+          <a:xfrm>
+            <a:off x="7054908" y="6138299"/>
+            <a:ext cx="663964" cy="261610"/>
+          </a:xfrm>
+          <a:prstGeom prst="rect">
+            <a:avLst/>
+          </a:prstGeom>
+          <a:noFill/>
+        </p:spPr>
+        <p:txBody>
+          <a:bodyPr wrap="none" rtlCol="0">
+            <a:spAutoFit/>
+          </a:bodyPr>
+          <a:lstStyle/>
+          <a:p>
+            <a:r>
+              <a:rPr kumimoji="1" lang="en-US" altLang="ko-KR" sz="1100" dirty="0" smtClean="0"/>
+              <a:t>(</a:t>
+            </a:r>
+            <a:r>
+              <a:rPr kumimoji="1" lang="en-US" altLang="ko-KR" sz="1100" dirty="0" err="1" smtClean="0"/>
+              <a:t>TermN</a:t>
+            </a:r>
+            <a:r>
+              <a:rPr kumimoji="1" lang="en-US" altLang="ko-KR" sz="1100" dirty="0" smtClean="0"/>
+              <a:t>)</a:t>
+            </a:r>
+            <a:endParaRPr kumimoji="1" lang="ko-KR" altLang="en-US" sz="1100" dirty="0"/>
           </a:p>
         </p:txBody>
       </p:sp>
     </p:spTree>
     <p:extLst>
       <p:ext uri="{BB962C8B-B14F-4D97-AF65-F5344CB8AC3E}">
-        <p14:creationId xmlns:p14="http://schemas.microsoft.com/office/powerpoint/2010/main" val="2092546811"/>
+        <p14:creationId xmlns:p14="http://schemas.microsoft.com/office/powerpoint/2010/main" val="607311969"/>
       </p:ext>
     </p:extLst>
   </p:cSld>
